--- a/JavaScript_Eloquent/EloquentJavaScript_Chapter-3.pptx
+++ b/JavaScript_Eloquent/EloquentJavaScript_Chapter-3.pptx
@@ -520,7 +520,7 @@
           <a:p>
             <a:fld id="{B9D4D9C1-12AC-4C28-92F1-C3C7B8F5D24B}" type="datetimeFigureOut">
               <a:rPr lang="en-GB" smtClean="0"/>
-              <a:t>25/10/2024</a:t>
+              <a:t>28/10/2024</a:t>
             </a:fld>
             <a:endParaRPr lang="en-GB" dirty="0"/>
           </a:p>
@@ -699,7 +699,7 @@
           <a:p>
             <a:fld id="{B9D4D9C1-12AC-4C28-92F1-C3C7B8F5D24B}" type="datetimeFigureOut">
               <a:rPr lang="en-GB" smtClean="0"/>
-              <a:t>25/10/2024</a:t>
+              <a:t>28/10/2024</a:t>
             </a:fld>
             <a:endParaRPr lang="en-GB" dirty="0"/>
           </a:p>
@@ -879,7 +879,7 @@
           <a:p>
             <a:fld id="{B9D4D9C1-12AC-4C28-92F1-C3C7B8F5D24B}" type="datetimeFigureOut">
               <a:rPr lang="en-GB" smtClean="0"/>
-              <a:t>25/10/2024</a:t>
+              <a:t>28/10/2024</a:t>
             </a:fld>
             <a:endParaRPr lang="en-GB" dirty="0"/>
           </a:p>
@@ -1049,7 +1049,7 @@
           <a:p>
             <a:fld id="{B9D4D9C1-12AC-4C28-92F1-C3C7B8F5D24B}" type="datetimeFigureOut">
               <a:rPr lang="en-GB" smtClean="0"/>
-              <a:t>25/10/2024</a:t>
+              <a:t>28/10/2024</a:t>
             </a:fld>
             <a:endParaRPr lang="en-GB" dirty="0"/>
           </a:p>
@@ -1362,7 +1362,7 @@
           <a:p>
             <a:fld id="{B9D4D9C1-12AC-4C28-92F1-C3C7B8F5D24B}" type="datetimeFigureOut">
               <a:rPr lang="en-GB" smtClean="0"/>
-              <a:t>25/10/2024</a:t>
+              <a:t>28/10/2024</a:t>
             </a:fld>
             <a:endParaRPr lang="en-GB" dirty="0"/>
           </a:p>
@@ -1748,7 +1748,7 @@
           <a:p>
             <a:fld id="{B9D4D9C1-12AC-4C28-92F1-C3C7B8F5D24B}" type="datetimeFigureOut">
               <a:rPr lang="en-GB" smtClean="0"/>
-              <a:t>25/10/2024</a:t>
+              <a:t>28/10/2024</a:t>
             </a:fld>
             <a:endParaRPr lang="en-GB" dirty="0"/>
           </a:p>
@@ -2182,7 +2182,7 @@
           <a:p>
             <a:fld id="{B9D4D9C1-12AC-4C28-92F1-C3C7B8F5D24B}" type="datetimeFigureOut">
               <a:rPr lang="en-GB" smtClean="0"/>
-              <a:t>25/10/2024</a:t>
+              <a:t>28/10/2024</a:t>
             </a:fld>
             <a:endParaRPr lang="en-GB" dirty="0"/>
           </a:p>
@@ -2300,7 +2300,7 @@
           <a:p>
             <a:fld id="{B9D4D9C1-12AC-4C28-92F1-C3C7B8F5D24B}" type="datetimeFigureOut">
               <a:rPr lang="en-GB" smtClean="0"/>
-              <a:t>25/10/2024</a:t>
+              <a:t>28/10/2024</a:t>
             </a:fld>
             <a:endParaRPr lang="en-GB" dirty="0"/>
           </a:p>
@@ -2395,7 +2395,7 @@
           <a:p>
             <a:fld id="{B9D4D9C1-12AC-4C28-92F1-C3C7B8F5D24B}" type="datetimeFigureOut">
               <a:rPr lang="en-GB" smtClean="0"/>
-              <a:t>25/10/2024</a:t>
+              <a:t>28/10/2024</a:t>
             </a:fld>
             <a:endParaRPr lang="en-GB" dirty="0"/>
           </a:p>
@@ -2745,7 +2745,7 @@
           <a:p>
             <a:fld id="{B9D4D9C1-12AC-4C28-92F1-C3C7B8F5D24B}" type="datetimeFigureOut">
               <a:rPr lang="en-GB" smtClean="0"/>
-              <a:t>25/10/2024</a:t>
+              <a:t>28/10/2024</a:t>
             </a:fld>
             <a:endParaRPr lang="en-GB" dirty="0"/>
           </a:p>
@@ -3170,7 +3170,7 @@
           <a:p>
             <a:fld id="{B9D4D9C1-12AC-4C28-92F1-C3C7B8F5D24B}" type="datetimeFigureOut">
               <a:rPr lang="en-GB" smtClean="0"/>
-              <a:t>25/10/2024</a:t>
+              <a:t>28/10/2024</a:t>
             </a:fld>
             <a:endParaRPr lang="en-GB" dirty="0"/>
           </a:p>
@@ -3451,7 +3451,7 @@
           <a:p>
             <a:fld id="{B9D4D9C1-12AC-4C28-92F1-C3C7B8F5D24B}" type="datetimeFigureOut">
               <a:rPr lang="en-GB" smtClean="0"/>
-              <a:t>25/10/2024</a:t>
+              <a:t>28/10/2024</a:t>
             </a:fld>
             <a:endParaRPr lang="en-GB" dirty="0"/>
           </a:p>
@@ -4746,8 +4746,12 @@
           <a:lstStyle/>
           <a:p>
             <a:r>
+              <a:rPr lang="pt-PT"/>
+              <a:t>Variáveis globais e </a:t>
+            </a:r>
+            <a:r>
               <a:rPr lang="pt-PT" dirty="0"/>
-              <a:t>Variáveis globais Locais</a:t>
+              <a:t>Locais</a:t>
             </a:r>
           </a:p>
         </p:txBody>

--- a/JavaScript_Eloquent/EloquentJavaScript_Chapter-3.pptx
+++ b/JavaScript_Eloquent/EloquentJavaScript_Chapter-3.pptx
@@ -11,6 +11,10 @@
     <p:sldId id="260" r:id="rId5"/>
     <p:sldId id="261" r:id="rId6"/>
     <p:sldId id="262" r:id="rId7"/>
+    <p:sldId id="263" r:id="rId8"/>
+    <p:sldId id="265" r:id="rId9"/>
+    <p:sldId id="264" r:id="rId10"/>
+    <p:sldId id="266" r:id="rId11"/>
   </p:sldIdLst>
   <p:sldSz cx="12192000" cy="6858000"/>
   <p:notesSz cx="6858000" cy="9144000"/>
@@ -520,7 +524,7 @@
           <a:p>
             <a:fld id="{B9D4D9C1-12AC-4C28-92F1-C3C7B8F5D24B}" type="datetimeFigureOut">
               <a:rPr lang="en-GB" smtClean="0"/>
-              <a:t>28/10/2024</a:t>
+              <a:t>05/11/2024</a:t>
             </a:fld>
             <a:endParaRPr lang="en-GB" dirty="0"/>
           </a:p>
@@ -699,7 +703,7 @@
           <a:p>
             <a:fld id="{B9D4D9C1-12AC-4C28-92F1-C3C7B8F5D24B}" type="datetimeFigureOut">
               <a:rPr lang="en-GB" smtClean="0"/>
-              <a:t>28/10/2024</a:t>
+              <a:t>05/11/2024</a:t>
             </a:fld>
             <a:endParaRPr lang="en-GB" dirty="0"/>
           </a:p>
@@ -879,7 +883,7 @@
           <a:p>
             <a:fld id="{B9D4D9C1-12AC-4C28-92F1-C3C7B8F5D24B}" type="datetimeFigureOut">
               <a:rPr lang="en-GB" smtClean="0"/>
-              <a:t>28/10/2024</a:t>
+              <a:t>05/11/2024</a:t>
             </a:fld>
             <a:endParaRPr lang="en-GB" dirty="0"/>
           </a:p>
@@ -1049,7 +1053,7 @@
           <a:p>
             <a:fld id="{B9D4D9C1-12AC-4C28-92F1-C3C7B8F5D24B}" type="datetimeFigureOut">
               <a:rPr lang="en-GB" smtClean="0"/>
-              <a:t>28/10/2024</a:t>
+              <a:t>05/11/2024</a:t>
             </a:fld>
             <a:endParaRPr lang="en-GB" dirty="0"/>
           </a:p>
@@ -1362,7 +1366,7 @@
           <a:p>
             <a:fld id="{B9D4D9C1-12AC-4C28-92F1-C3C7B8F5D24B}" type="datetimeFigureOut">
               <a:rPr lang="en-GB" smtClean="0"/>
-              <a:t>28/10/2024</a:t>
+              <a:t>05/11/2024</a:t>
             </a:fld>
             <a:endParaRPr lang="en-GB" dirty="0"/>
           </a:p>
@@ -1748,7 +1752,7 @@
           <a:p>
             <a:fld id="{B9D4D9C1-12AC-4C28-92F1-C3C7B8F5D24B}" type="datetimeFigureOut">
               <a:rPr lang="en-GB" smtClean="0"/>
-              <a:t>28/10/2024</a:t>
+              <a:t>05/11/2024</a:t>
             </a:fld>
             <a:endParaRPr lang="en-GB" dirty="0"/>
           </a:p>
@@ -2182,7 +2186,7 @@
           <a:p>
             <a:fld id="{B9D4D9C1-12AC-4C28-92F1-C3C7B8F5D24B}" type="datetimeFigureOut">
               <a:rPr lang="en-GB" smtClean="0"/>
-              <a:t>28/10/2024</a:t>
+              <a:t>05/11/2024</a:t>
             </a:fld>
             <a:endParaRPr lang="en-GB" dirty="0"/>
           </a:p>
@@ -2300,7 +2304,7 @@
           <a:p>
             <a:fld id="{B9D4D9C1-12AC-4C28-92F1-C3C7B8F5D24B}" type="datetimeFigureOut">
               <a:rPr lang="en-GB" smtClean="0"/>
-              <a:t>28/10/2024</a:t>
+              <a:t>05/11/2024</a:t>
             </a:fld>
             <a:endParaRPr lang="en-GB" dirty="0"/>
           </a:p>
@@ -2395,7 +2399,7 @@
           <a:p>
             <a:fld id="{B9D4D9C1-12AC-4C28-92F1-C3C7B8F5D24B}" type="datetimeFigureOut">
               <a:rPr lang="en-GB" smtClean="0"/>
-              <a:t>28/10/2024</a:t>
+              <a:t>05/11/2024</a:t>
             </a:fld>
             <a:endParaRPr lang="en-GB" dirty="0"/>
           </a:p>
@@ -2745,7 +2749,7 @@
           <a:p>
             <a:fld id="{B9D4D9C1-12AC-4C28-92F1-C3C7B8F5D24B}" type="datetimeFigureOut">
               <a:rPr lang="en-GB" smtClean="0"/>
-              <a:t>28/10/2024</a:t>
+              <a:t>05/11/2024</a:t>
             </a:fld>
             <a:endParaRPr lang="en-GB" dirty="0"/>
           </a:p>
@@ -3170,7 +3174,7 @@
           <a:p>
             <a:fld id="{B9D4D9C1-12AC-4C28-92F1-C3C7B8F5D24B}" type="datetimeFigureOut">
               <a:rPr lang="en-GB" smtClean="0"/>
-              <a:t>28/10/2024</a:t>
+              <a:t>05/11/2024</a:t>
             </a:fld>
             <a:endParaRPr lang="en-GB" dirty="0"/>
           </a:p>
@@ -3451,7 +3455,7 @@
           <a:p>
             <a:fld id="{B9D4D9C1-12AC-4C28-92F1-C3C7B8F5D24B}" type="datetimeFigureOut">
               <a:rPr lang="en-GB" smtClean="0"/>
-              <a:t>28/10/2024</a:t>
+              <a:t>05/11/2024</a:t>
             </a:fld>
             <a:endParaRPr lang="en-GB" dirty="0"/>
           </a:p>
@@ -4157,6 +4161,86 @@
 </p:sld>
 </file>
 
+<file path=ppt/slides/slide10.xml><?xml version="1.0" encoding="utf-8"?>
+<p:sld xmlns:a="http://schemas.openxmlformats.org/drawingml/2006/main" xmlns:r="http://schemas.openxmlformats.org/officeDocument/2006/relationships" xmlns:p="http://schemas.openxmlformats.org/presentationml/2006/main">
+  <p:cSld>
+    <p:spTree>
+      <p:nvGrpSpPr>
+        <p:cNvPr id="1" name=""/>
+        <p:cNvGrpSpPr/>
+        <p:nvPr/>
+      </p:nvGrpSpPr>
+      <p:grpSpPr>
+        <a:xfrm>
+          <a:off x="0" y="0"/>
+          <a:ext cx="0" cy="0"/>
+          <a:chOff x="0" y="0"/>
+          <a:chExt cx="0" cy="0"/>
+        </a:xfrm>
+      </p:grpSpPr>
+      <p:sp>
+        <p:nvSpPr>
+          <p:cNvPr id="2" name="Título 1">
+            <a:extLst>
+              <a:ext uri="{FF2B5EF4-FFF2-40B4-BE49-F238E27FC236}">
+                <a16:creationId xmlns:a16="http://schemas.microsoft.com/office/drawing/2014/main" id="{123CE9A2-43AF-E2BF-C219-BCAA9FA16915}"/>
+              </a:ext>
+            </a:extLst>
+          </p:cNvPr>
+          <p:cNvSpPr>
+            <a:spLocks noGrp="1"/>
+          </p:cNvSpPr>
+          <p:nvPr>
+            <p:ph type="title"/>
+          </p:nvPr>
+        </p:nvSpPr>
+        <p:spPr/>
+        <p:txBody>
+          <a:bodyPr/>
+          <a:lstStyle/>
+          <a:p>
+            <a:endParaRPr lang="pt-PT"/>
+          </a:p>
+        </p:txBody>
+      </p:sp>
+      <p:sp>
+        <p:nvSpPr>
+          <p:cNvPr id="3" name="Marcador de Posição de Conteúdo 2">
+            <a:extLst>
+              <a:ext uri="{FF2B5EF4-FFF2-40B4-BE49-F238E27FC236}">
+                <a16:creationId xmlns:a16="http://schemas.microsoft.com/office/drawing/2014/main" id="{CF3E0E69-8BD5-6F92-D1B3-3457F0EFAC5C}"/>
+              </a:ext>
+            </a:extLst>
+          </p:cNvPr>
+          <p:cNvSpPr>
+            <a:spLocks noGrp="1"/>
+          </p:cNvSpPr>
+          <p:nvPr>
+            <p:ph idx="1"/>
+          </p:nvPr>
+        </p:nvSpPr>
+        <p:spPr/>
+        <p:txBody>
+          <a:bodyPr/>
+          <a:lstStyle/>
+          <a:p>
+            <a:endParaRPr lang="pt-PT"/>
+          </a:p>
+        </p:txBody>
+      </p:sp>
+    </p:spTree>
+    <p:extLst>
+      <p:ext uri="{BB962C8B-B14F-4D97-AF65-F5344CB8AC3E}">
+        <p14:creationId xmlns:p14="http://schemas.microsoft.com/office/powerpoint/2010/main" val="1419420090"/>
+      </p:ext>
+    </p:extLst>
+  </p:cSld>
+  <p:clrMapOvr>
+    <a:masterClrMapping/>
+  </p:clrMapOvr>
+</p:sld>
+</file>
+
 <file path=ppt/slides/slide2.xml><?xml version="1.0" encoding="utf-8"?>
 <p:sld xmlns:a="http://schemas.openxmlformats.org/drawingml/2006/main" xmlns:r="http://schemas.openxmlformats.org/officeDocument/2006/relationships" xmlns:p="http://schemas.openxmlformats.org/presentationml/2006/main">
   <p:cSld>
@@ -4368,19 +4452,15 @@
           <a:p>
             <a:r>
               <a:rPr lang="pt-PT" dirty="0"/>
-              <a:t> Declarar uma função é como declarar uma variável. Para declarar uma função precisamos de lhe dar um nome </a:t>
+              <a:t> Declarar uma função é como declarar uma variável. Para declarar uma função precisamos de lhe dar um </a:t>
             </a:r>
             <a:r>
               <a:rPr lang="pt-PT" b="1" i="1" dirty="0"/>
-              <a:t>duplicar</a:t>
-            </a:r>
-            <a:r>
-              <a:rPr lang="pt-PT" i="1" dirty="0"/>
-              <a:t>  </a:t>
+              <a:t>nome</a:t>
             </a:r>
             <a:r>
               <a:rPr lang="pt-PT" dirty="0"/>
-              <a:t>e em seguida usar a palavra-chave </a:t>
+              <a:t> e em seguida usar a palavra-chave </a:t>
             </a:r>
             <a:r>
               <a:rPr lang="pt-PT" b="1" i="1" dirty="0"/>
@@ -4405,12 +4485,47 @@
           </a:p>
         </p:txBody>
       </p:sp>
+      <p:sp>
+        <p:nvSpPr>
+          <p:cNvPr id="9" name="CaixaDeTexto 8">
+            <a:extLst>
+              <a:ext uri="{FF2B5EF4-FFF2-40B4-BE49-F238E27FC236}">
+                <a16:creationId xmlns:a16="http://schemas.microsoft.com/office/drawing/2014/main" id="{D99BE9AB-0B72-D3D6-112A-262D80DB53BE}"/>
+              </a:ext>
+            </a:extLst>
+          </p:cNvPr>
+          <p:cNvSpPr txBox="1"/>
+          <p:nvPr/>
+        </p:nvSpPr>
+        <p:spPr>
+          <a:xfrm>
+            <a:off x="3877483" y="5706824"/>
+            <a:ext cx="4335236" cy="253916"/>
+          </a:xfrm>
+          <a:prstGeom prst="rect">
+            <a:avLst/>
+          </a:prstGeom>
+          <a:noFill/>
+        </p:spPr>
+        <p:txBody>
+          <a:bodyPr wrap="square" rtlCol="0">
+            <a:spAutoFit/>
+          </a:bodyPr>
+          <a:lstStyle/>
+          <a:p>
+            <a:r>
+              <a:rPr lang="pt-PT" sz="1050" dirty="0"/>
+              <a:t>Este exemplo mostra uma função que diz olá e o nome inserido.</a:t>
+            </a:r>
+          </a:p>
+        </p:txBody>
+      </p:sp>
       <p:pic>
         <p:nvPicPr>
-          <p:cNvPr id="8" name="Imagem 7">
+          <p:cNvPr id="5" name="Imagem 4">
             <a:extLst>
               <a:ext uri="{FF2B5EF4-FFF2-40B4-BE49-F238E27FC236}">
-                <a16:creationId xmlns:a16="http://schemas.microsoft.com/office/drawing/2014/main" id="{BF133078-7B05-4D20-19C7-44035513CB3F}"/>
+                <a16:creationId xmlns:a16="http://schemas.microsoft.com/office/drawing/2014/main" id="{7466EF29-31B7-6BAD-FE8C-EF8CF071057F}"/>
               </a:ext>
             </a:extLst>
           </p:cNvPr>
@@ -4427,49 +4542,14 @@
         </p:blipFill>
         <p:spPr>
           <a:xfrm>
-            <a:off x="3979280" y="3518396"/>
-            <a:ext cx="4233439" cy="2161002"/>
+            <a:off x="3877483" y="3886200"/>
+            <a:ext cx="3813575" cy="1448664"/>
           </a:xfrm>
           <a:prstGeom prst="rect">
             <a:avLst/>
           </a:prstGeom>
         </p:spPr>
       </p:pic>
-      <p:sp>
-        <p:nvSpPr>
-          <p:cNvPr id="9" name="CaixaDeTexto 8">
-            <a:extLst>
-              <a:ext uri="{FF2B5EF4-FFF2-40B4-BE49-F238E27FC236}">
-                <a16:creationId xmlns:a16="http://schemas.microsoft.com/office/drawing/2014/main" id="{D99BE9AB-0B72-D3D6-112A-262D80DB53BE}"/>
-              </a:ext>
-            </a:extLst>
-          </p:cNvPr>
-          <p:cNvSpPr txBox="1"/>
-          <p:nvPr/>
-        </p:nvSpPr>
-        <p:spPr>
-          <a:xfrm>
-            <a:off x="3877483" y="5706824"/>
-            <a:ext cx="4335236" cy="253916"/>
-          </a:xfrm>
-          <a:prstGeom prst="rect">
-            <a:avLst/>
-          </a:prstGeom>
-          <a:noFill/>
-        </p:spPr>
-        <p:txBody>
-          <a:bodyPr wrap="square" rtlCol="0">
-            <a:spAutoFit/>
-          </a:bodyPr>
-          <a:lstStyle/>
-          <a:p>
-            <a:r>
-              <a:rPr lang="pt-PT" sz="1050" dirty="0"/>
-              <a:t>Este exemplo mostra uma função que duplica o número inserido.</a:t>
-            </a:r>
-          </a:p>
-        </p:txBody>
-      </p:sp>
     </p:spTree>
     <p:extLst>
       <p:ext uri="{BB962C8B-B14F-4D97-AF65-F5344CB8AC3E}">
@@ -4928,14 +5008,640 @@
           <a:bodyPr/>
           <a:lstStyle/>
           <a:p>
-            <a:endParaRPr lang="pt-PT" dirty="0"/>
-          </a:p>
-        </p:txBody>
-      </p:sp>
+            <a:r>
+              <a:rPr lang="pt-PT" dirty="0"/>
+              <a:t> Funções também podem ser declaradas localmente dentro de outras funções, para além de auxiliar na organização do código, permite também usar variáveis locais da função na qual foi declarada.</a:t>
+            </a:r>
+          </a:p>
+        </p:txBody>
+      </p:sp>
+      <p:sp>
+        <p:nvSpPr>
+          <p:cNvPr id="8" name="CaixaDeTexto 7">
+            <a:extLst>
+              <a:ext uri="{FF2B5EF4-FFF2-40B4-BE49-F238E27FC236}">
+                <a16:creationId xmlns:a16="http://schemas.microsoft.com/office/drawing/2014/main" id="{53DC2FC7-A218-B7B2-2DA6-A5B02DF1CB25}"/>
+              </a:ext>
+            </a:extLst>
+          </p:cNvPr>
+          <p:cNvSpPr txBox="1"/>
+          <p:nvPr/>
+        </p:nvSpPr>
+        <p:spPr>
+          <a:xfrm>
+            <a:off x="2097668" y="6010635"/>
+            <a:ext cx="8181167" cy="415498"/>
+          </a:xfrm>
+          <a:prstGeom prst="rect">
+            <a:avLst/>
+          </a:prstGeom>
+          <a:noFill/>
+        </p:spPr>
+        <p:txBody>
+          <a:bodyPr wrap="square" rtlCol="0">
+            <a:spAutoFit/>
+          </a:bodyPr>
+          <a:lstStyle/>
+          <a:p>
+            <a:r>
+              <a:rPr lang="pt-PT" sz="1050" dirty="0"/>
+              <a:t>Este exemplo mostra uma função responsável criar um “personagem” com parâmetros específicos e dentro contém uma função responsável por “atacar”, e usa esses parâmetros como base.</a:t>
+            </a:r>
+          </a:p>
+        </p:txBody>
+      </p:sp>
+      <p:pic>
+        <p:nvPicPr>
+          <p:cNvPr id="10" name="Imagem 9">
+            <a:extLst>
+              <a:ext uri="{FF2B5EF4-FFF2-40B4-BE49-F238E27FC236}">
+                <a16:creationId xmlns:a16="http://schemas.microsoft.com/office/drawing/2014/main" id="{7CB5E774-7DBA-3363-263A-B7DB09E02D1E}"/>
+              </a:ext>
+            </a:extLst>
+          </p:cNvPr>
+          <p:cNvPicPr>
+            <a:picLocks noChangeAspect="1"/>
+          </p:cNvPicPr>
+          <p:nvPr/>
+        </p:nvPicPr>
+        <p:blipFill>
+          <a:blip r:embed="rId2"/>
+          <a:stretch>
+            <a:fillRect/>
+          </a:stretch>
+        </p:blipFill>
+        <p:spPr>
+          <a:xfrm>
+            <a:off x="2155524" y="3429000"/>
+            <a:ext cx="7554379" cy="2581635"/>
+          </a:xfrm>
+          <a:prstGeom prst="rect">
+            <a:avLst/>
+          </a:prstGeom>
+        </p:spPr>
+      </p:pic>
     </p:spTree>
     <p:extLst>
       <p:ext uri="{BB962C8B-B14F-4D97-AF65-F5344CB8AC3E}">
         <p14:creationId xmlns:p14="http://schemas.microsoft.com/office/powerpoint/2010/main" val="2295923377"/>
+      </p:ext>
+    </p:extLst>
+  </p:cSld>
+  <p:clrMapOvr>
+    <a:masterClrMapping/>
+  </p:clrMapOvr>
+</p:sld>
+</file>
+
+<file path=ppt/slides/slide7.xml><?xml version="1.0" encoding="utf-8"?>
+<p:sld xmlns:a="http://schemas.openxmlformats.org/drawingml/2006/main" xmlns:r="http://schemas.openxmlformats.org/officeDocument/2006/relationships" xmlns:p="http://schemas.openxmlformats.org/presentationml/2006/main">
+  <p:cSld>
+    <p:spTree>
+      <p:nvGrpSpPr>
+        <p:cNvPr id="1" name=""/>
+        <p:cNvGrpSpPr/>
+        <p:nvPr/>
+      </p:nvGrpSpPr>
+      <p:grpSpPr>
+        <a:xfrm>
+          <a:off x="0" y="0"/>
+          <a:ext cx="0" cy="0"/>
+          <a:chOff x="0" y="0"/>
+          <a:chExt cx="0" cy="0"/>
+        </a:xfrm>
+      </p:grpSpPr>
+      <p:sp>
+        <p:nvSpPr>
+          <p:cNvPr id="2" name="Título 1">
+            <a:extLst>
+              <a:ext uri="{FF2B5EF4-FFF2-40B4-BE49-F238E27FC236}">
+                <a16:creationId xmlns:a16="http://schemas.microsoft.com/office/drawing/2014/main" id="{0238A993-6E49-ED4B-2D27-49C60712B79C}"/>
+              </a:ext>
+            </a:extLst>
+          </p:cNvPr>
+          <p:cNvSpPr>
+            <a:spLocks noGrp="1"/>
+          </p:cNvSpPr>
+          <p:nvPr>
+            <p:ph type="title"/>
+          </p:nvPr>
+        </p:nvSpPr>
+        <p:spPr/>
+        <p:txBody>
+          <a:bodyPr/>
+          <a:lstStyle/>
+          <a:p>
+            <a:r>
+              <a:rPr lang="pt-PT" dirty="0"/>
+              <a:t>Funções como Valores</a:t>
+            </a:r>
+          </a:p>
+        </p:txBody>
+      </p:sp>
+      <p:sp>
+        <p:nvSpPr>
+          <p:cNvPr id="3" name="Marcador de Posição de Conteúdo 2">
+            <a:extLst>
+              <a:ext uri="{FF2B5EF4-FFF2-40B4-BE49-F238E27FC236}">
+                <a16:creationId xmlns:a16="http://schemas.microsoft.com/office/drawing/2014/main" id="{C6C05C33-43F4-CEA8-690B-430D1F6288DC}"/>
+              </a:ext>
+            </a:extLst>
+          </p:cNvPr>
+          <p:cNvSpPr>
+            <a:spLocks noGrp="1"/>
+          </p:cNvSpPr>
+          <p:nvPr>
+            <p:ph idx="1"/>
+          </p:nvPr>
+        </p:nvSpPr>
+        <p:spPr/>
+        <p:txBody>
+          <a:bodyPr/>
+          <a:lstStyle/>
+          <a:p>
+            <a:r>
+              <a:rPr lang="pt-PT" dirty="0"/>
+              <a:t> Funções também podem ser usadas como valores e modificadas, permitindo assim que a mesma função tenha diferentes comportamentos em situações diferentes.</a:t>
+            </a:r>
+          </a:p>
+        </p:txBody>
+      </p:sp>
+      <p:pic>
+        <p:nvPicPr>
+          <p:cNvPr id="9" name="Imagem 8">
+            <a:extLst>
+              <a:ext uri="{FF2B5EF4-FFF2-40B4-BE49-F238E27FC236}">
+                <a16:creationId xmlns:a16="http://schemas.microsoft.com/office/drawing/2014/main" id="{0931B553-BE01-9FB5-53B8-E2DB2227E345}"/>
+              </a:ext>
+            </a:extLst>
+          </p:cNvPr>
+          <p:cNvPicPr>
+            <a:picLocks noChangeAspect="1"/>
+          </p:cNvPicPr>
+          <p:nvPr/>
+        </p:nvPicPr>
+        <p:blipFill>
+          <a:blip r:embed="rId2"/>
+          <a:stretch>
+            <a:fillRect/>
+          </a:stretch>
+        </p:blipFill>
+        <p:spPr>
+          <a:xfrm>
+            <a:off x="4319339" y="3510222"/>
+            <a:ext cx="3553321" cy="1857634"/>
+          </a:xfrm>
+          <a:prstGeom prst="rect">
+            <a:avLst/>
+          </a:prstGeom>
+        </p:spPr>
+      </p:pic>
+      <p:sp>
+        <p:nvSpPr>
+          <p:cNvPr id="10" name="CaixaDeTexto 9">
+            <a:extLst>
+              <a:ext uri="{FF2B5EF4-FFF2-40B4-BE49-F238E27FC236}">
+                <a16:creationId xmlns:a16="http://schemas.microsoft.com/office/drawing/2014/main" id="{BA4E4F6B-D048-623D-B452-F6CFBA82D9BC}"/>
+              </a:ext>
+            </a:extLst>
+          </p:cNvPr>
+          <p:cNvSpPr txBox="1"/>
+          <p:nvPr/>
+        </p:nvSpPr>
+        <p:spPr>
+          <a:xfrm>
+            <a:off x="3952781" y="5562279"/>
+            <a:ext cx="4286436" cy="415498"/>
+          </a:xfrm>
+          <a:prstGeom prst="rect">
+            <a:avLst/>
+          </a:prstGeom>
+          <a:noFill/>
+        </p:spPr>
+        <p:txBody>
+          <a:bodyPr wrap="square" rtlCol="0">
+            <a:spAutoFit/>
+          </a:bodyPr>
+          <a:lstStyle/>
+          <a:p>
+            <a:r>
+              <a:rPr lang="pt-PT" sz="1050" dirty="0"/>
+              <a:t>Função que cumprimenta uma pessoa e alterna o cumprimento consoante a hora do dia.</a:t>
+            </a:r>
+          </a:p>
+        </p:txBody>
+      </p:sp>
+    </p:spTree>
+    <p:extLst>
+      <p:ext uri="{BB962C8B-B14F-4D97-AF65-F5344CB8AC3E}">
+        <p14:creationId xmlns:p14="http://schemas.microsoft.com/office/powerpoint/2010/main" val="2760597553"/>
+      </p:ext>
+    </p:extLst>
+  </p:cSld>
+  <p:clrMapOvr>
+    <a:masterClrMapping/>
+  </p:clrMapOvr>
+</p:sld>
+</file>
+
+<file path=ppt/slides/slide8.xml><?xml version="1.0" encoding="utf-8"?>
+<p:sld xmlns:a="http://schemas.openxmlformats.org/drawingml/2006/main" xmlns:r="http://schemas.openxmlformats.org/officeDocument/2006/relationships" xmlns:p="http://schemas.openxmlformats.org/presentationml/2006/main">
+  <p:cSld>
+    <p:spTree>
+      <p:nvGrpSpPr>
+        <p:cNvPr id="1" name=""/>
+        <p:cNvGrpSpPr/>
+        <p:nvPr/>
+      </p:nvGrpSpPr>
+      <p:grpSpPr>
+        <a:xfrm>
+          <a:off x="0" y="0"/>
+          <a:ext cx="0" cy="0"/>
+          <a:chOff x="0" y="0"/>
+          <a:chExt cx="0" cy="0"/>
+        </a:xfrm>
+      </p:grpSpPr>
+      <p:sp>
+        <p:nvSpPr>
+          <p:cNvPr id="2" name="Título 1">
+            <a:extLst>
+              <a:ext uri="{FF2B5EF4-FFF2-40B4-BE49-F238E27FC236}">
+                <a16:creationId xmlns:a16="http://schemas.microsoft.com/office/drawing/2014/main" id="{3736369A-3BCA-83F9-A80B-5B4E15C4EF87}"/>
+              </a:ext>
+            </a:extLst>
+          </p:cNvPr>
+          <p:cNvSpPr>
+            <a:spLocks noGrp="1"/>
+          </p:cNvSpPr>
+          <p:nvPr>
+            <p:ph type="title"/>
+          </p:nvPr>
+        </p:nvSpPr>
+        <p:spPr/>
+        <p:txBody>
+          <a:bodyPr/>
+          <a:lstStyle/>
+          <a:p>
+            <a:r>
+              <a:rPr lang="pt-PT" dirty="0"/>
+              <a:t>Funções declaradas por setas</a:t>
+            </a:r>
+          </a:p>
+        </p:txBody>
+      </p:sp>
+      <p:sp>
+        <p:nvSpPr>
+          <p:cNvPr id="3" name="Marcador de Posição de Conteúdo 2">
+            <a:extLst>
+              <a:ext uri="{FF2B5EF4-FFF2-40B4-BE49-F238E27FC236}">
+                <a16:creationId xmlns:a16="http://schemas.microsoft.com/office/drawing/2014/main" id="{EE4D8890-0F32-0C87-862B-5C0F2458368D}"/>
+              </a:ext>
+            </a:extLst>
+          </p:cNvPr>
+          <p:cNvSpPr>
+            <a:spLocks noGrp="1"/>
+          </p:cNvSpPr>
+          <p:nvPr>
+            <p:ph idx="1"/>
+          </p:nvPr>
+        </p:nvSpPr>
+        <p:spPr/>
+        <p:txBody>
+          <a:bodyPr/>
+          <a:lstStyle/>
+          <a:p>
+            <a:r>
+              <a:rPr lang="pt-PT" dirty="0"/>
+              <a:t> Existe também outra forma de declarar funções sem precisar da palavra chave </a:t>
+            </a:r>
+            <a:r>
+              <a:rPr lang="pt-PT" b="1" i="1" dirty="0"/>
+              <a:t>function</a:t>
+            </a:r>
+            <a:r>
+              <a:rPr lang="pt-PT" dirty="0"/>
+              <a:t>. Usando uma seta (</a:t>
+            </a:r>
+            <a:r>
+              <a:rPr lang="pt-PT" b="1" i="1" dirty="0"/>
+              <a:t>=&gt;</a:t>
+            </a:r>
+            <a:r>
+              <a:rPr lang="pt-PT" dirty="0"/>
+              <a:t>) que expressa algo como </a:t>
+            </a:r>
+            <a:r>
+              <a:rPr lang="pt-PT" b="0" i="1" dirty="0">
+                <a:solidFill>
+                  <a:srgbClr val="000000"/>
+                </a:solidFill>
+                <a:effectLst/>
+                <a:latin typeface="Georgia" panose="02040502050405020303" pitchFamily="18" charset="0"/>
+              </a:rPr>
+              <a:t>“esta entrada (os parâmetros) produz este resultado (o corpo)”.</a:t>
+            </a:r>
+            <a:r>
+              <a:rPr lang="pt-PT" b="0" dirty="0">
+                <a:solidFill>
+                  <a:srgbClr val="000000"/>
+                </a:solidFill>
+                <a:effectLst/>
+                <a:latin typeface="Georgia" panose="02040502050405020303" pitchFamily="18" charset="0"/>
+              </a:rPr>
+              <a:t> Uma função também pode ser organizada de forma diferente, podem omitir os parenteses e as chavetas em casos onde apenas há um parâmetro ou uma expressão, permitindo a simplificação do código.</a:t>
+            </a:r>
+            <a:endParaRPr lang="pt-PT" i="1" dirty="0"/>
+          </a:p>
+        </p:txBody>
+      </p:sp>
+      <p:pic>
+        <p:nvPicPr>
+          <p:cNvPr id="7" name="Imagem 6">
+            <a:extLst>
+              <a:ext uri="{FF2B5EF4-FFF2-40B4-BE49-F238E27FC236}">
+                <a16:creationId xmlns:a16="http://schemas.microsoft.com/office/drawing/2014/main" id="{C3FB0B0F-3ACE-EF99-9C96-D017A81A8512}"/>
+              </a:ext>
+            </a:extLst>
+          </p:cNvPr>
+          <p:cNvPicPr>
+            <a:picLocks noChangeAspect="1"/>
+          </p:cNvPicPr>
+          <p:nvPr/>
+        </p:nvPicPr>
+        <p:blipFill>
+          <a:blip r:embed="rId2"/>
+          <a:stretch>
+            <a:fillRect/>
+          </a:stretch>
+        </p:blipFill>
+        <p:spPr>
+          <a:xfrm>
+            <a:off x="2166206" y="4361688"/>
+            <a:ext cx="2567057" cy="1009377"/>
+          </a:xfrm>
+          <a:prstGeom prst="rect">
+            <a:avLst/>
+          </a:prstGeom>
+        </p:spPr>
+      </p:pic>
+      <p:pic>
+        <p:nvPicPr>
+          <p:cNvPr id="10" name="Imagem 9">
+            <a:extLst>
+              <a:ext uri="{FF2B5EF4-FFF2-40B4-BE49-F238E27FC236}">
+                <a16:creationId xmlns:a16="http://schemas.microsoft.com/office/drawing/2014/main" id="{BABEE84D-9D8E-122E-19D7-329A765CE615}"/>
+              </a:ext>
+            </a:extLst>
+          </p:cNvPr>
+          <p:cNvPicPr>
+            <a:picLocks noChangeAspect="1"/>
+          </p:cNvPicPr>
+          <p:nvPr/>
+        </p:nvPicPr>
+        <p:blipFill>
+          <a:blip r:embed="rId3"/>
+          <a:stretch>
+            <a:fillRect/>
+          </a:stretch>
+        </p:blipFill>
+        <p:spPr>
+          <a:xfrm>
+            <a:off x="5577072" y="4361688"/>
+            <a:ext cx="4236836" cy="1338561"/>
+          </a:xfrm>
+          <a:prstGeom prst="rect">
+            <a:avLst/>
+          </a:prstGeom>
+        </p:spPr>
+      </p:pic>
+      <p:sp>
+        <p:nvSpPr>
+          <p:cNvPr id="11" name="CaixaDeTexto 10">
+            <a:extLst>
+              <a:ext uri="{FF2B5EF4-FFF2-40B4-BE49-F238E27FC236}">
+                <a16:creationId xmlns:a16="http://schemas.microsoft.com/office/drawing/2014/main" id="{9AF15C4A-C3F8-3D04-CB5D-B7B6D60AE159}"/>
+              </a:ext>
+            </a:extLst>
+          </p:cNvPr>
+          <p:cNvSpPr txBox="1"/>
+          <p:nvPr/>
+        </p:nvSpPr>
+        <p:spPr>
+          <a:xfrm>
+            <a:off x="4074161" y="5918284"/>
+            <a:ext cx="6360165" cy="253916"/>
+          </a:xfrm>
+          <a:prstGeom prst="rect">
+            <a:avLst/>
+          </a:prstGeom>
+          <a:noFill/>
+        </p:spPr>
+        <p:txBody>
+          <a:bodyPr wrap="square" rtlCol="0">
+            <a:spAutoFit/>
+          </a:bodyPr>
+          <a:lstStyle/>
+          <a:p>
+            <a:r>
+              <a:rPr lang="pt-PT" sz="1050" dirty="0"/>
+              <a:t>Exemplos de funções declaradas por setas.</a:t>
+            </a:r>
+          </a:p>
+        </p:txBody>
+      </p:sp>
+    </p:spTree>
+    <p:extLst>
+      <p:ext uri="{BB962C8B-B14F-4D97-AF65-F5344CB8AC3E}">
+        <p14:creationId xmlns:p14="http://schemas.microsoft.com/office/powerpoint/2010/main" val="2451979089"/>
+      </p:ext>
+    </p:extLst>
+  </p:cSld>
+  <p:clrMapOvr>
+    <a:masterClrMapping/>
+  </p:clrMapOvr>
+</p:sld>
+</file>
+
+<file path=ppt/slides/slide9.xml><?xml version="1.0" encoding="utf-8"?>
+<p:sld xmlns:a="http://schemas.openxmlformats.org/drawingml/2006/main" xmlns:r="http://schemas.openxmlformats.org/officeDocument/2006/relationships" xmlns:p="http://schemas.openxmlformats.org/presentationml/2006/main">
+  <p:cSld>
+    <p:spTree>
+      <p:nvGrpSpPr>
+        <p:cNvPr id="1" name=""/>
+        <p:cNvGrpSpPr/>
+        <p:nvPr/>
+      </p:nvGrpSpPr>
+      <p:grpSpPr>
+        <a:xfrm>
+          <a:off x="0" y="0"/>
+          <a:ext cx="0" cy="0"/>
+          <a:chOff x="0" y="0"/>
+          <a:chExt cx="0" cy="0"/>
+        </a:xfrm>
+      </p:grpSpPr>
+      <p:sp>
+        <p:nvSpPr>
+          <p:cNvPr id="2" name="Título 1">
+            <a:extLst>
+              <a:ext uri="{FF2B5EF4-FFF2-40B4-BE49-F238E27FC236}">
+                <a16:creationId xmlns:a16="http://schemas.microsoft.com/office/drawing/2014/main" id="{541947BA-52CD-E9BE-D5A9-F7CEE9AB6A84}"/>
+              </a:ext>
+            </a:extLst>
+          </p:cNvPr>
+          <p:cNvSpPr>
+            <a:spLocks noGrp="1"/>
+          </p:cNvSpPr>
+          <p:nvPr>
+            <p:ph type="title"/>
+          </p:nvPr>
+        </p:nvSpPr>
+        <p:spPr/>
+        <p:txBody>
+          <a:bodyPr/>
+          <a:lstStyle/>
+          <a:p>
+            <a:r>
+              <a:rPr lang="pt-PT" dirty="0"/>
+              <a:t>Ordem de declaração</a:t>
+            </a:r>
+          </a:p>
+        </p:txBody>
+      </p:sp>
+      <p:sp>
+        <p:nvSpPr>
+          <p:cNvPr id="3" name="Marcador de Posição de Conteúdo 2">
+            <a:extLst>
+              <a:ext uri="{FF2B5EF4-FFF2-40B4-BE49-F238E27FC236}">
+                <a16:creationId xmlns:a16="http://schemas.microsoft.com/office/drawing/2014/main" id="{15749ACC-6692-1304-7AB6-F19AE2EE5280}"/>
+              </a:ext>
+            </a:extLst>
+          </p:cNvPr>
+          <p:cNvSpPr>
+            <a:spLocks noGrp="1"/>
+          </p:cNvSpPr>
+          <p:nvPr>
+            <p:ph idx="1"/>
+          </p:nvPr>
+        </p:nvSpPr>
+        <p:spPr/>
+        <p:txBody>
+          <a:bodyPr/>
+          <a:lstStyle/>
+          <a:p>
+            <a:r>
+              <a:rPr lang="pt-PT" dirty="0"/>
+              <a:t> Ao declarar uma função de forma tradicional, usando a palavra-chave </a:t>
+            </a:r>
+            <a:r>
+              <a:rPr lang="pt-PT" b="1" i="1" dirty="0"/>
+              <a:t>function</a:t>
+            </a:r>
+            <a:r>
+              <a:rPr lang="pt-PT" dirty="0"/>
+              <a:t>, podemos chamar a função mesmo antes da função ser declarada, algo que já não acontece caso a função seja declarada como valor. Isso acontece porque as funções não obedecem ao fluxo regular de controle, que funciona de cima a baixo, elas são movidas para o topo do código para que possam ser usadas livremente, já as variáveis obedecem a esse fluxo.</a:t>
+            </a:r>
+          </a:p>
+        </p:txBody>
+      </p:sp>
+      <p:pic>
+        <p:nvPicPr>
+          <p:cNvPr id="5" name="Imagem 4">
+            <a:extLst>
+              <a:ext uri="{FF2B5EF4-FFF2-40B4-BE49-F238E27FC236}">
+                <a16:creationId xmlns:a16="http://schemas.microsoft.com/office/drawing/2014/main" id="{4A4523C0-C452-5F8B-3421-D9916147FCDE}"/>
+              </a:ext>
+            </a:extLst>
+          </p:cNvPr>
+          <p:cNvPicPr>
+            <a:picLocks noChangeAspect="1"/>
+          </p:cNvPicPr>
+          <p:nvPr/>
+        </p:nvPicPr>
+        <p:blipFill>
+          <a:blip r:embed="rId2"/>
+          <a:stretch>
+            <a:fillRect/>
+          </a:stretch>
+        </p:blipFill>
+        <p:spPr>
+          <a:xfrm>
+            <a:off x="2206965" y="4003835"/>
+            <a:ext cx="2997941" cy="1384545"/>
+          </a:xfrm>
+          <a:prstGeom prst="rect">
+            <a:avLst/>
+          </a:prstGeom>
+        </p:spPr>
+      </p:pic>
+      <p:pic>
+        <p:nvPicPr>
+          <p:cNvPr id="6" name="Imagem 5">
+            <a:extLst>
+              <a:ext uri="{FF2B5EF4-FFF2-40B4-BE49-F238E27FC236}">
+                <a16:creationId xmlns:a16="http://schemas.microsoft.com/office/drawing/2014/main" id="{28119E19-6728-987C-B89F-4CA7C86BBF51}"/>
+              </a:ext>
+            </a:extLst>
+          </p:cNvPr>
+          <p:cNvPicPr>
+            <a:picLocks noChangeAspect="1"/>
+          </p:cNvPicPr>
+          <p:nvPr/>
+        </p:nvPicPr>
+        <p:blipFill>
+          <a:blip r:embed="rId3"/>
+          <a:stretch>
+            <a:fillRect/>
+          </a:stretch>
+        </p:blipFill>
+        <p:spPr>
+          <a:xfrm>
+            <a:off x="5990012" y="4003835"/>
+            <a:ext cx="4402115" cy="1482578"/>
+          </a:xfrm>
+          <a:prstGeom prst="rect">
+            <a:avLst/>
+          </a:prstGeom>
+        </p:spPr>
+      </p:pic>
+      <p:sp>
+        <p:nvSpPr>
+          <p:cNvPr id="7" name="CaixaDeTexto 6">
+            <a:extLst>
+              <a:ext uri="{FF2B5EF4-FFF2-40B4-BE49-F238E27FC236}">
+                <a16:creationId xmlns:a16="http://schemas.microsoft.com/office/drawing/2014/main" id="{2A8C3EAF-2079-16EC-F30A-B0F7C4DAE250}"/>
+              </a:ext>
+            </a:extLst>
+          </p:cNvPr>
+          <p:cNvSpPr txBox="1"/>
+          <p:nvPr/>
+        </p:nvSpPr>
+        <p:spPr>
+          <a:xfrm>
+            <a:off x="2739137" y="5849673"/>
+            <a:ext cx="6360165" cy="415498"/>
+          </a:xfrm>
+          <a:prstGeom prst="rect">
+            <a:avLst/>
+          </a:prstGeom>
+          <a:noFill/>
+        </p:spPr>
+        <p:txBody>
+          <a:bodyPr wrap="square" rtlCol="0">
+            <a:spAutoFit/>
+          </a:bodyPr>
+          <a:lstStyle/>
+          <a:p>
+            <a:r>
+              <a:rPr lang="pt-PT" sz="1050" dirty="0"/>
+              <a:t>Funções semelhantes, onde apenas difere a forma como a função é declarada, que imprimem uma frase, onde a função é chamada antes de ser declarada.</a:t>
+            </a:r>
+          </a:p>
+        </p:txBody>
+      </p:sp>
+    </p:spTree>
+    <p:extLst>
+      <p:ext uri="{BB962C8B-B14F-4D97-AF65-F5344CB8AC3E}">
+        <p14:creationId xmlns:p14="http://schemas.microsoft.com/office/powerpoint/2010/main" val="3078491093"/>
       </p:ext>
     </p:extLst>
   </p:cSld>

--- a/JavaScript_Eloquent/EloquentJavaScript_Chapter-3.pptx
+++ b/JavaScript_Eloquent/EloquentJavaScript_Chapter-3.pptx
@@ -7,14 +7,16 @@
   <p:sldIdLst>
     <p:sldId id="256" r:id="rId2"/>
     <p:sldId id="258" r:id="rId3"/>
-    <p:sldId id="259" r:id="rId4"/>
+    <p:sldId id="268" r:id="rId4"/>
     <p:sldId id="260" r:id="rId5"/>
     <p:sldId id="261" r:id="rId6"/>
     <p:sldId id="262" r:id="rId7"/>
     <p:sldId id="263" r:id="rId8"/>
-    <p:sldId id="265" r:id="rId9"/>
+    <p:sldId id="269" r:id="rId9"/>
     <p:sldId id="264" r:id="rId10"/>
-    <p:sldId id="266" r:id="rId11"/>
+    <p:sldId id="267" r:id="rId11"/>
+    <p:sldId id="266" r:id="rId12"/>
+    <p:sldId id="270" r:id="rId13"/>
   </p:sldIdLst>
   <p:sldSz cx="12192000" cy="6858000"/>
   <p:notesSz cx="6858000" cy="9144000"/>
@@ -524,7 +526,7 @@
           <a:p>
             <a:fld id="{B9D4D9C1-12AC-4C28-92F1-C3C7B8F5D24B}" type="datetimeFigureOut">
               <a:rPr lang="en-GB" smtClean="0"/>
-              <a:t>05/11/2024</a:t>
+              <a:t>18/11/2024</a:t>
             </a:fld>
             <a:endParaRPr lang="en-GB" dirty="0"/>
           </a:p>
@@ -703,7 +705,7 @@
           <a:p>
             <a:fld id="{B9D4D9C1-12AC-4C28-92F1-C3C7B8F5D24B}" type="datetimeFigureOut">
               <a:rPr lang="en-GB" smtClean="0"/>
-              <a:t>05/11/2024</a:t>
+              <a:t>18/11/2024</a:t>
             </a:fld>
             <a:endParaRPr lang="en-GB" dirty="0"/>
           </a:p>
@@ -883,7 +885,7 @@
           <a:p>
             <a:fld id="{B9D4D9C1-12AC-4C28-92F1-C3C7B8F5D24B}" type="datetimeFigureOut">
               <a:rPr lang="en-GB" smtClean="0"/>
-              <a:t>05/11/2024</a:t>
+              <a:t>18/11/2024</a:t>
             </a:fld>
             <a:endParaRPr lang="en-GB" dirty="0"/>
           </a:p>
@@ -1053,7 +1055,7 @@
           <a:p>
             <a:fld id="{B9D4D9C1-12AC-4C28-92F1-C3C7B8F5D24B}" type="datetimeFigureOut">
               <a:rPr lang="en-GB" smtClean="0"/>
-              <a:t>05/11/2024</a:t>
+              <a:t>18/11/2024</a:t>
             </a:fld>
             <a:endParaRPr lang="en-GB" dirty="0"/>
           </a:p>
@@ -1366,7 +1368,7 @@
           <a:p>
             <a:fld id="{B9D4D9C1-12AC-4C28-92F1-C3C7B8F5D24B}" type="datetimeFigureOut">
               <a:rPr lang="en-GB" smtClean="0"/>
-              <a:t>05/11/2024</a:t>
+              <a:t>18/11/2024</a:t>
             </a:fld>
             <a:endParaRPr lang="en-GB" dirty="0"/>
           </a:p>
@@ -1752,7 +1754,7 @@
           <a:p>
             <a:fld id="{B9D4D9C1-12AC-4C28-92F1-C3C7B8F5D24B}" type="datetimeFigureOut">
               <a:rPr lang="en-GB" smtClean="0"/>
-              <a:t>05/11/2024</a:t>
+              <a:t>18/11/2024</a:t>
             </a:fld>
             <a:endParaRPr lang="en-GB" dirty="0"/>
           </a:p>
@@ -2186,7 +2188,7 @@
           <a:p>
             <a:fld id="{B9D4D9C1-12AC-4C28-92F1-C3C7B8F5D24B}" type="datetimeFigureOut">
               <a:rPr lang="en-GB" smtClean="0"/>
-              <a:t>05/11/2024</a:t>
+              <a:t>18/11/2024</a:t>
             </a:fld>
             <a:endParaRPr lang="en-GB" dirty="0"/>
           </a:p>
@@ -2304,7 +2306,7 @@
           <a:p>
             <a:fld id="{B9D4D9C1-12AC-4C28-92F1-C3C7B8F5D24B}" type="datetimeFigureOut">
               <a:rPr lang="en-GB" smtClean="0"/>
-              <a:t>05/11/2024</a:t>
+              <a:t>18/11/2024</a:t>
             </a:fld>
             <a:endParaRPr lang="en-GB" dirty="0"/>
           </a:p>
@@ -2399,7 +2401,7 @@
           <a:p>
             <a:fld id="{B9D4D9C1-12AC-4C28-92F1-C3C7B8F5D24B}" type="datetimeFigureOut">
               <a:rPr lang="en-GB" smtClean="0"/>
-              <a:t>05/11/2024</a:t>
+              <a:t>18/11/2024</a:t>
             </a:fld>
             <a:endParaRPr lang="en-GB" dirty="0"/>
           </a:p>
@@ -2749,7 +2751,7 @@
           <a:p>
             <a:fld id="{B9D4D9C1-12AC-4C28-92F1-C3C7B8F5D24B}" type="datetimeFigureOut">
               <a:rPr lang="en-GB" smtClean="0"/>
-              <a:t>05/11/2024</a:t>
+              <a:t>18/11/2024</a:t>
             </a:fld>
             <a:endParaRPr lang="en-GB" dirty="0"/>
           </a:p>
@@ -3174,7 +3176,7 @@
           <a:p>
             <a:fld id="{B9D4D9C1-12AC-4C28-92F1-C3C7B8F5D24B}" type="datetimeFigureOut">
               <a:rPr lang="en-GB" smtClean="0"/>
-              <a:t>05/11/2024</a:t>
+              <a:t>18/11/2024</a:t>
             </a:fld>
             <a:endParaRPr lang="en-GB" dirty="0"/>
           </a:p>
@@ -3455,7 +3457,7 @@
           <a:p>
             <a:fld id="{B9D4D9C1-12AC-4C28-92F1-C3C7B8F5D24B}" type="datetimeFigureOut">
               <a:rPr lang="en-GB" smtClean="0"/>
-              <a:t>05/11/2024</a:t>
+              <a:t>18/11/2024</a:t>
             </a:fld>
             <a:endParaRPr lang="en-GB" dirty="0"/>
           </a:p>
@@ -4199,7 +4201,10 @@
           <a:bodyPr/>
           <a:lstStyle/>
           <a:p>
-            <a:endParaRPr lang="pt-PT"/>
+            <a:r>
+              <a:rPr lang="pt-PT" dirty="0"/>
+              <a:t>Argumentos OPCIONAIS</a:t>
+            </a:r>
           </a:p>
         </p:txBody>
       </p:sp>
@@ -4219,12 +4224,265 @@
             <p:ph idx="1"/>
           </p:nvPr>
         </p:nvSpPr>
+        <p:spPr>
+          <a:xfrm>
+            <a:off x="1069848" y="2121408"/>
+            <a:ext cx="10058400" cy="1805061"/>
+          </a:xfrm>
+        </p:spPr>
+        <p:txBody>
+          <a:bodyPr/>
+          <a:lstStyle/>
+          <a:p>
+            <a:r>
+              <a:rPr lang="pt-PT" dirty="0"/>
+              <a:t> Ao chamar uma função pode-se inserir argumentos a mais ou a menos, se forem inseridos argumentos a mais, o JavaScript vai ignora-los, caso sejam inseridos a menos, o JavaScript vai assumi-los como </a:t>
+            </a:r>
+            <a:r>
+              <a:rPr lang="pt-PT" b="1" i="1" dirty="0"/>
+              <a:t>undefined</a:t>
+            </a:r>
+            <a:r>
+              <a:rPr lang="pt-PT" i="1" dirty="0"/>
+              <a:t>. </a:t>
+            </a:r>
+            <a:r>
+              <a:rPr lang="pt-PT" dirty="0"/>
+              <a:t>Ou também dar um valor a um parâmetro fará com que caso não lhe seja dado um argumento o parâmetro irá assumir aquele valor. Isso gera uma certa flexibilidade para criar derivados tipos de funções. </a:t>
+            </a:r>
+          </a:p>
+        </p:txBody>
+      </p:sp>
+      <p:pic>
+        <p:nvPicPr>
+          <p:cNvPr id="5" name="Imagem 4">
+            <a:extLst>
+              <a:ext uri="{FF2B5EF4-FFF2-40B4-BE49-F238E27FC236}">
+                <a16:creationId xmlns:a16="http://schemas.microsoft.com/office/drawing/2014/main" id="{E1DF4749-8015-7B0C-4A14-FEACB0D3B240}"/>
+              </a:ext>
+            </a:extLst>
+          </p:cNvPr>
+          <p:cNvPicPr>
+            <a:picLocks noChangeAspect="1"/>
+          </p:cNvPicPr>
+          <p:nvPr/>
+        </p:nvPicPr>
+        <p:blipFill>
+          <a:blip r:embed="rId2"/>
+          <a:stretch>
+            <a:fillRect/>
+          </a:stretch>
+        </p:blipFill>
+        <p:spPr>
+          <a:xfrm>
+            <a:off x="2043955" y="4001477"/>
+            <a:ext cx="2875517" cy="1902759"/>
+          </a:xfrm>
+          <a:prstGeom prst="rect">
+            <a:avLst/>
+          </a:prstGeom>
+        </p:spPr>
+      </p:pic>
+      <p:sp>
+        <p:nvSpPr>
+          <p:cNvPr id="6" name="CaixaDeTexto 5">
+            <a:extLst>
+              <a:ext uri="{FF2B5EF4-FFF2-40B4-BE49-F238E27FC236}">
+                <a16:creationId xmlns:a16="http://schemas.microsoft.com/office/drawing/2014/main" id="{E0020CC2-E8E5-F15E-9FA6-322BF483AD9B}"/>
+              </a:ext>
+            </a:extLst>
+          </p:cNvPr>
+          <p:cNvSpPr txBox="1"/>
+          <p:nvPr/>
+        </p:nvSpPr>
+        <p:spPr>
+          <a:xfrm>
+            <a:off x="1572259" y="5904236"/>
+            <a:ext cx="3945127" cy="577081"/>
+          </a:xfrm>
+          <a:prstGeom prst="rect">
+            <a:avLst/>
+          </a:prstGeom>
+          <a:noFill/>
+        </p:spPr>
+        <p:txBody>
+          <a:bodyPr wrap="square" rtlCol="0">
+            <a:spAutoFit/>
+          </a:bodyPr>
+          <a:lstStyle/>
+          <a:p>
+            <a:r>
+              <a:rPr lang="pt-PT" sz="1050" dirty="0"/>
+              <a:t>Função caso seja dado um número o apresenta de forma negativa, porém caso sejam dados dois números a função irá fazer uma subtração.</a:t>
+            </a:r>
+          </a:p>
+        </p:txBody>
+      </p:sp>
+      <p:sp>
+        <p:nvSpPr>
+          <p:cNvPr id="9" name="CaixaDeTexto 8">
+            <a:extLst>
+              <a:ext uri="{FF2B5EF4-FFF2-40B4-BE49-F238E27FC236}">
+                <a16:creationId xmlns:a16="http://schemas.microsoft.com/office/drawing/2014/main" id="{8BED7EAD-E19C-3E58-7D83-C0C65196152D}"/>
+              </a:ext>
+            </a:extLst>
+          </p:cNvPr>
+          <p:cNvSpPr txBox="1"/>
+          <p:nvPr/>
+        </p:nvSpPr>
+        <p:spPr>
+          <a:xfrm>
+            <a:off x="6096000" y="5959559"/>
+            <a:ext cx="3945127" cy="415498"/>
+          </a:xfrm>
+          <a:prstGeom prst="rect">
+            <a:avLst/>
+          </a:prstGeom>
+          <a:noFill/>
+        </p:spPr>
+        <p:txBody>
+          <a:bodyPr wrap="square" rtlCol="0">
+            <a:spAutoFit/>
+          </a:bodyPr>
+          <a:lstStyle/>
+          <a:p>
+            <a:r>
+              <a:rPr lang="pt-PT" sz="1050" dirty="0"/>
+              <a:t>Função que subtrai os números dados, porém caso não lhe seja dado um segundo número a função irá subtrai o valor 1.</a:t>
+            </a:r>
+          </a:p>
+        </p:txBody>
+      </p:sp>
+      <p:pic>
+        <p:nvPicPr>
+          <p:cNvPr id="11" name="Imagem 10">
+            <a:extLst>
+              <a:ext uri="{FF2B5EF4-FFF2-40B4-BE49-F238E27FC236}">
+                <a16:creationId xmlns:a16="http://schemas.microsoft.com/office/drawing/2014/main" id="{6B702766-F810-F58A-322C-05E2F972BCB0}"/>
+              </a:ext>
+            </a:extLst>
+          </p:cNvPr>
+          <p:cNvPicPr>
+            <a:picLocks noChangeAspect="1"/>
+          </p:cNvPicPr>
+          <p:nvPr/>
+        </p:nvPicPr>
+        <p:blipFill>
+          <a:blip r:embed="rId3"/>
+          <a:stretch>
+            <a:fillRect/>
+          </a:stretch>
+        </p:blipFill>
+        <p:spPr>
+          <a:xfrm>
+            <a:off x="6601968" y="3986112"/>
+            <a:ext cx="2738360" cy="1805061"/>
+          </a:xfrm>
+          <a:prstGeom prst="rect">
+            <a:avLst/>
+          </a:prstGeom>
+        </p:spPr>
+      </p:pic>
+    </p:spTree>
+    <p:extLst>
+      <p:ext uri="{BB962C8B-B14F-4D97-AF65-F5344CB8AC3E}">
+        <p14:creationId xmlns:p14="http://schemas.microsoft.com/office/powerpoint/2010/main" val="3933109141"/>
+      </p:ext>
+    </p:extLst>
+  </p:cSld>
+  <p:clrMapOvr>
+    <a:masterClrMapping/>
+  </p:clrMapOvr>
+</p:sld>
+</file>
+
+<file path=ppt/slides/slide11.xml><?xml version="1.0" encoding="utf-8"?>
+<p:sld xmlns:a="http://schemas.openxmlformats.org/drawingml/2006/main" xmlns:r="http://schemas.openxmlformats.org/officeDocument/2006/relationships" xmlns:p="http://schemas.openxmlformats.org/presentationml/2006/main">
+  <p:cSld>
+    <p:spTree>
+      <p:nvGrpSpPr>
+        <p:cNvPr id="1" name=""/>
+        <p:cNvGrpSpPr/>
+        <p:nvPr/>
+      </p:nvGrpSpPr>
+      <p:grpSpPr>
+        <a:xfrm>
+          <a:off x="0" y="0"/>
+          <a:ext cx="0" cy="0"/>
+          <a:chOff x="0" y="0"/>
+          <a:chExt cx="0" cy="0"/>
+        </a:xfrm>
+      </p:grpSpPr>
+      <p:sp>
+        <p:nvSpPr>
+          <p:cNvPr id="2" name="Título 1">
+            <a:extLst>
+              <a:ext uri="{FF2B5EF4-FFF2-40B4-BE49-F238E27FC236}">
+                <a16:creationId xmlns:a16="http://schemas.microsoft.com/office/drawing/2014/main" id="{123CE9A2-43AF-E2BF-C219-BCAA9FA16915}"/>
+              </a:ext>
+            </a:extLst>
+          </p:cNvPr>
+          <p:cNvSpPr>
+            <a:spLocks noGrp="1"/>
+          </p:cNvSpPr>
+          <p:nvPr>
+            <p:ph type="title"/>
+          </p:nvPr>
+        </p:nvSpPr>
         <p:spPr/>
         <p:txBody>
           <a:bodyPr/>
           <a:lstStyle/>
           <a:p>
-            <a:endParaRPr lang="pt-PT"/>
+            <a:r>
+              <a:rPr lang="pt-PT" dirty="0" err="1"/>
+              <a:t>Closure</a:t>
+            </a:r>
+            <a:r>
+              <a:rPr lang="pt-PT" dirty="0"/>
+              <a:t> (talvez fazer depois, se o </a:t>
+            </a:r>
+            <a:r>
+              <a:rPr lang="pt-PT" dirty="0" err="1"/>
+              <a:t>powerpoint</a:t>
+            </a:r>
+            <a:r>
+              <a:rPr lang="pt-PT" dirty="0"/>
+              <a:t> n ficar </a:t>
+            </a:r>
+            <a:r>
+              <a:rPr lang="pt-PT" dirty="0" err="1"/>
+              <a:t>mt</a:t>
+            </a:r>
+            <a:r>
+              <a:rPr lang="pt-PT" dirty="0"/>
+              <a:t> longo)</a:t>
+            </a:r>
+          </a:p>
+        </p:txBody>
+      </p:sp>
+      <p:sp>
+        <p:nvSpPr>
+          <p:cNvPr id="3" name="Marcador de Posição de Conteúdo 2">
+            <a:extLst>
+              <a:ext uri="{FF2B5EF4-FFF2-40B4-BE49-F238E27FC236}">
+                <a16:creationId xmlns:a16="http://schemas.microsoft.com/office/drawing/2014/main" id="{CF3E0E69-8BD5-6F92-D1B3-3457F0EFAC5C}"/>
+              </a:ext>
+            </a:extLst>
+          </p:cNvPr>
+          <p:cNvSpPr>
+            <a:spLocks noGrp="1"/>
+          </p:cNvSpPr>
+          <p:nvPr>
+            <p:ph idx="1"/>
+          </p:nvPr>
+        </p:nvSpPr>
+        <p:spPr/>
+        <p:txBody>
+          <a:bodyPr/>
+          <a:lstStyle/>
+          <a:p>
+            <a:endParaRPr lang="pt-PT" dirty="0"/>
           </a:p>
         </p:txBody>
       </p:sp>
@@ -4232,6 +4490,108 @@
     <p:extLst>
       <p:ext uri="{BB962C8B-B14F-4D97-AF65-F5344CB8AC3E}">
         <p14:creationId xmlns:p14="http://schemas.microsoft.com/office/powerpoint/2010/main" val="1419420090"/>
+      </p:ext>
+    </p:extLst>
+  </p:cSld>
+  <p:clrMapOvr>
+    <a:masterClrMapping/>
+  </p:clrMapOvr>
+</p:sld>
+</file>
+
+<file path=ppt/slides/slide12.xml><?xml version="1.0" encoding="utf-8"?>
+<p:sld xmlns:a="http://schemas.openxmlformats.org/drawingml/2006/main" xmlns:r="http://schemas.openxmlformats.org/officeDocument/2006/relationships" xmlns:p="http://schemas.openxmlformats.org/presentationml/2006/main">
+  <p:cSld>
+    <p:spTree>
+      <p:nvGrpSpPr>
+        <p:cNvPr id="1" name=""/>
+        <p:cNvGrpSpPr/>
+        <p:nvPr/>
+      </p:nvGrpSpPr>
+      <p:grpSpPr>
+        <a:xfrm>
+          <a:off x="0" y="0"/>
+          <a:ext cx="0" cy="0"/>
+          <a:chOff x="0" y="0"/>
+          <a:chExt cx="0" cy="0"/>
+        </a:xfrm>
+      </p:grpSpPr>
+      <p:sp>
+        <p:nvSpPr>
+          <p:cNvPr id="2" name="Título 1">
+            <a:extLst>
+              <a:ext uri="{FF2B5EF4-FFF2-40B4-BE49-F238E27FC236}">
+                <a16:creationId xmlns:a16="http://schemas.microsoft.com/office/drawing/2014/main" id="{E3A1EA71-8667-E844-E594-71DEDF855266}"/>
+              </a:ext>
+            </a:extLst>
+          </p:cNvPr>
+          <p:cNvSpPr>
+            <a:spLocks noGrp="1"/>
+          </p:cNvSpPr>
+          <p:nvPr>
+            <p:ph type="title"/>
+          </p:nvPr>
+        </p:nvSpPr>
+        <p:spPr/>
+        <p:txBody>
+          <a:bodyPr/>
+          <a:lstStyle/>
+          <a:p>
+            <a:r>
+              <a:rPr lang="pt-PT" dirty="0"/>
+              <a:t>Recursão</a:t>
+            </a:r>
+          </a:p>
+        </p:txBody>
+      </p:sp>
+      <p:sp>
+        <p:nvSpPr>
+          <p:cNvPr id="3" name="Marcador de Posição de Conteúdo 2">
+            <a:extLst>
+              <a:ext uri="{FF2B5EF4-FFF2-40B4-BE49-F238E27FC236}">
+                <a16:creationId xmlns:a16="http://schemas.microsoft.com/office/drawing/2014/main" id="{0144841E-D239-2AFA-B255-B8D27EF3EA11}"/>
+              </a:ext>
+            </a:extLst>
+          </p:cNvPr>
+          <p:cNvSpPr>
+            <a:spLocks noGrp="1"/>
+          </p:cNvSpPr>
+          <p:nvPr>
+            <p:ph idx="1"/>
+          </p:nvPr>
+        </p:nvSpPr>
+        <p:spPr/>
+        <p:txBody>
+          <a:bodyPr/>
+          <a:lstStyle/>
+          <a:p>
+            <a:r>
+              <a:rPr lang="pt-PT" dirty="0"/>
+              <a:t>Recursão é quando uma função se chama a si própria, isso pode gerar um </a:t>
+            </a:r>
+            <a:r>
+              <a:rPr lang="pt-PT" dirty="0" err="1"/>
+              <a:t>loop</a:t>
+            </a:r>
+            <a:r>
+              <a:rPr lang="pt-PT" dirty="0"/>
+              <a:t>. Em muitas situações é ineficiente usar a Recursão para fazer um </a:t>
+            </a:r>
+            <a:r>
+              <a:rPr lang="pt-PT" dirty="0" err="1"/>
+              <a:t>loop</a:t>
+            </a:r>
+            <a:r>
+              <a:rPr lang="pt-PT" dirty="0"/>
+              <a:t>, porém há alguns casos onde a recursão pode tornar o código mais simples e claro, por exemplo </a:t>
+            </a:r>
+          </a:p>
+        </p:txBody>
+      </p:sp>
+    </p:spTree>
+    <p:extLst>
+      <p:ext uri="{BB962C8B-B14F-4D97-AF65-F5344CB8AC3E}">
+        <p14:creationId xmlns:p14="http://schemas.microsoft.com/office/powerpoint/2010/main" val="4083146987"/>
       </p:ext>
     </p:extLst>
   </p:cSld>
@@ -4445,26 +4805,31 @@
             <p:ph idx="1"/>
           </p:nvPr>
         </p:nvSpPr>
-        <p:spPr/>
+        <p:spPr>
+          <a:xfrm>
+            <a:off x="1069848" y="2121408"/>
+            <a:ext cx="10058400" cy="1392832"/>
+          </a:xfrm>
+        </p:spPr>
         <p:txBody>
           <a:bodyPr/>
           <a:lstStyle/>
           <a:p>
             <a:r>
               <a:rPr lang="pt-PT" dirty="0"/>
-              <a:t> Declarar uma função é como declarar uma variável. Para declarar uma função precisamos de lhe dar um </a:t>
+              <a:t> Para declarar uma função precisamos usar a palavra-chave </a:t>
+            </a:r>
+            <a:r>
+              <a:rPr lang="pt-PT" b="1" i="1" dirty="0"/>
+              <a:t>function </a:t>
+            </a:r>
+            <a:r>
+              <a:rPr lang="pt-PT" dirty="0"/>
+              <a:t>e em seguida precisamos de lhe dar um </a:t>
             </a:r>
             <a:r>
               <a:rPr lang="pt-PT" b="1" i="1" dirty="0"/>
               <a:t>nome</a:t>
-            </a:r>
-            <a:r>
-              <a:rPr lang="pt-PT" dirty="0"/>
-              <a:t> e em seguida usar a palavra-chave </a:t>
-            </a:r>
-            <a:r>
-              <a:rPr lang="pt-PT" b="1" i="1" dirty="0"/>
-              <a:t>function</a:t>
             </a:r>
             <a:r>
               <a:rPr lang="pt-PT" i="1" dirty="0"/>
@@ -4553,7 +4918,7 @@
     </p:spTree>
     <p:extLst>
       <p:ext uri="{BB962C8B-B14F-4D97-AF65-F5344CB8AC3E}">
-        <p14:creationId xmlns:p14="http://schemas.microsoft.com/office/powerpoint/2010/main" val="1639752804"/>
+        <p14:creationId xmlns:p14="http://schemas.microsoft.com/office/powerpoint/2010/main" val="1849228901"/>
       </p:ext>
     </p:extLst>
   </p:cSld>
@@ -5305,7 +5670,12 @@
             <p:ph idx="1"/>
           </p:nvPr>
         </p:nvSpPr>
-        <p:spPr/>
+        <p:spPr>
+          <a:xfrm>
+            <a:off x="1069848" y="2121408"/>
+            <a:ext cx="10058400" cy="1901952"/>
+          </a:xfrm>
+        </p:spPr>
         <p:txBody>
           <a:bodyPr/>
           <a:lstStyle/>
@@ -5336,7 +5706,6 @@
                   <a:srgbClr val="000000"/>
                 </a:solidFill>
                 <a:effectLst/>
-                <a:latin typeface="Georgia" panose="02040502050405020303" pitchFamily="18" charset="0"/>
               </a:rPr>
               <a:t>“esta entrada (os parâmetros) produz este resultado (o corpo)”.</a:t>
             </a:r>
@@ -5346,9 +5715,44 @@
                   <a:srgbClr val="000000"/>
                 </a:solidFill>
                 <a:effectLst/>
-                <a:latin typeface="Georgia" panose="02040502050405020303" pitchFamily="18" charset="0"/>
               </a:rPr>
-              <a:t> Uma função também pode ser organizada de forma diferente, podem omitir os parenteses e as chavetas em casos onde apenas há um parâmetro ou uma expressão, permitindo a simplificação do código.</a:t>
+              <a:t> Uma função também pode ser organizada de forma diferente, podem omitir os parenteses </a:t>
+            </a:r>
+            <a:r>
+              <a:rPr lang="pt-PT" b="1" dirty="0">
+                <a:solidFill>
+                  <a:srgbClr val="000000"/>
+                </a:solidFill>
+                <a:effectLst/>
+              </a:rPr>
+              <a:t>()</a:t>
+            </a:r>
+            <a:r>
+              <a:rPr lang="pt-PT" b="0" dirty="0">
+                <a:solidFill>
+                  <a:srgbClr val="000000"/>
+                </a:solidFill>
+                <a:effectLst/>
+              </a:rPr>
+              <a:t> e as chavetas </a:t>
+            </a:r>
+            <a:r>
+              <a:rPr lang="pt-PT" b="1" dirty="0">
+                <a:solidFill>
+                  <a:srgbClr val="000000"/>
+                </a:solidFill>
+                <a:effectLst/>
+              </a:rPr>
+              <a:t>{}</a:t>
+            </a:r>
+            <a:r>
+              <a:rPr lang="pt-PT" b="0" dirty="0">
+                <a:solidFill>
+                  <a:srgbClr val="000000"/>
+                </a:solidFill>
+                <a:effectLst/>
+              </a:rPr>
+              <a:t> em casos onde apenas há um parâmetro ou uma expressão, permitindo a simplificação do código.</a:t>
             </a:r>
             <a:endParaRPr lang="pt-PT" i="1" dirty="0"/>
           </a:p>
@@ -5429,7 +5833,7 @@
         <p:spPr>
           <a:xfrm>
             <a:off x="4074161" y="5918284"/>
-            <a:ext cx="6360165" cy="253916"/>
+            <a:ext cx="2957575" cy="253916"/>
           </a:xfrm>
           <a:prstGeom prst="rect">
             <a:avLst/>
@@ -5452,7 +5856,7 @@
     </p:spTree>
     <p:extLst>
       <p:ext uri="{BB962C8B-B14F-4D97-AF65-F5344CB8AC3E}">
-        <p14:creationId xmlns:p14="http://schemas.microsoft.com/office/powerpoint/2010/main" val="2451979089"/>
+        <p14:creationId xmlns:p14="http://schemas.microsoft.com/office/powerpoint/2010/main" val="3602727809"/>
       </p:ext>
     </p:extLst>
   </p:cSld>

--- a/JavaScript_Eloquent/EloquentJavaScript_Chapter-3.pptx
+++ b/JavaScript_Eloquent/EloquentJavaScript_Chapter-3.pptx
@@ -526,7 +526,7 @@
           <a:p>
             <a:fld id="{B9D4D9C1-12AC-4C28-92F1-C3C7B8F5D24B}" type="datetimeFigureOut">
               <a:rPr lang="en-GB" smtClean="0"/>
-              <a:t>18/11/2024</a:t>
+              <a:t>25/11/2024</a:t>
             </a:fld>
             <a:endParaRPr lang="en-GB" dirty="0"/>
           </a:p>
@@ -705,7 +705,7 @@
           <a:p>
             <a:fld id="{B9D4D9C1-12AC-4C28-92F1-C3C7B8F5D24B}" type="datetimeFigureOut">
               <a:rPr lang="en-GB" smtClean="0"/>
-              <a:t>18/11/2024</a:t>
+              <a:t>25/11/2024</a:t>
             </a:fld>
             <a:endParaRPr lang="en-GB" dirty="0"/>
           </a:p>
@@ -885,7 +885,7 @@
           <a:p>
             <a:fld id="{B9D4D9C1-12AC-4C28-92F1-C3C7B8F5D24B}" type="datetimeFigureOut">
               <a:rPr lang="en-GB" smtClean="0"/>
-              <a:t>18/11/2024</a:t>
+              <a:t>25/11/2024</a:t>
             </a:fld>
             <a:endParaRPr lang="en-GB" dirty="0"/>
           </a:p>
@@ -1055,7 +1055,7 @@
           <a:p>
             <a:fld id="{B9D4D9C1-12AC-4C28-92F1-C3C7B8F5D24B}" type="datetimeFigureOut">
               <a:rPr lang="en-GB" smtClean="0"/>
-              <a:t>18/11/2024</a:t>
+              <a:t>25/11/2024</a:t>
             </a:fld>
             <a:endParaRPr lang="en-GB" dirty="0"/>
           </a:p>
@@ -1368,7 +1368,7 @@
           <a:p>
             <a:fld id="{B9D4D9C1-12AC-4C28-92F1-C3C7B8F5D24B}" type="datetimeFigureOut">
               <a:rPr lang="en-GB" smtClean="0"/>
-              <a:t>18/11/2024</a:t>
+              <a:t>25/11/2024</a:t>
             </a:fld>
             <a:endParaRPr lang="en-GB" dirty="0"/>
           </a:p>
@@ -1754,7 +1754,7 @@
           <a:p>
             <a:fld id="{B9D4D9C1-12AC-4C28-92F1-C3C7B8F5D24B}" type="datetimeFigureOut">
               <a:rPr lang="en-GB" smtClean="0"/>
-              <a:t>18/11/2024</a:t>
+              <a:t>25/11/2024</a:t>
             </a:fld>
             <a:endParaRPr lang="en-GB" dirty="0"/>
           </a:p>
@@ -2188,7 +2188,7 @@
           <a:p>
             <a:fld id="{B9D4D9C1-12AC-4C28-92F1-C3C7B8F5D24B}" type="datetimeFigureOut">
               <a:rPr lang="en-GB" smtClean="0"/>
-              <a:t>18/11/2024</a:t>
+              <a:t>25/11/2024</a:t>
             </a:fld>
             <a:endParaRPr lang="en-GB" dirty="0"/>
           </a:p>
@@ -2306,7 +2306,7 @@
           <a:p>
             <a:fld id="{B9D4D9C1-12AC-4C28-92F1-C3C7B8F5D24B}" type="datetimeFigureOut">
               <a:rPr lang="en-GB" smtClean="0"/>
-              <a:t>18/11/2024</a:t>
+              <a:t>25/11/2024</a:t>
             </a:fld>
             <a:endParaRPr lang="en-GB" dirty="0"/>
           </a:p>
@@ -2401,7 +2401,7 @@
           <a:p>
             <a:fld id="{B9D4D9C1-12AC-4C28-92F1-C3C7B8F5D24B}" type="datetimeFigureOut">
               <a:rPr lang="en-GB" smtClean="0"/>
-              <a:t>18/11/2024</a:t>
+              <a:t>25/11/2024</a:t>
             </a:fld>
             <a:endParaRPr lang="en-GB" dirty="0"/>
           </a:p>
@@ -2751,7 +2751,7 @@
           <a:p>
             <a:fld id="{B9D4D9C1-12AC-4C28-92F1-C3C7B8F5D24B}" type="datetimeFigureOut">
               <a:rPr lang="en-GB" smtClean="0"/>
-              <a:t>18/11/2024</a:t>
+              <a:t>25/11/2024</a:t>
             </a:fld>
             <a:endParaRPr lang="en-GB" dirty="0"/>
           </a:p>
@@ -3176,7 +3176,7 @@
           <a:p>
             <a:fld id="{B9D4D9C1-12AC-4C28-92F1-C3C7B8F5D24B}" type="datetimeFigureOut">
               <a:rPr lang="en-GB" smtClean="0"/>
-              <a:t>18/11/2024</a:t>
+              <a:t>25/11/2024</a:t>
             </a:fld>
             <a:endParaRPr lang="en-GB" dirty="0"/>
           </a:p>
@@ -3457,7 +3457,7 @@
           <a:p>
             <a:fld id="{B9D4D9C1-12AC-4C28-92F1-C3C7B8F5D24B}" type="datetimeFigureOut">
               <a:rPr lang="en-GB" smtClean="0"/>
-              <a:t>18/11/2024</a:t>
+              <a:t>25/11/2024</a:t>
             </a:fld>
             <a:endParaRPr lang="en-GB" dirty="0"/>
           </a:p>
@@ -4570,7 +4570,7 @@
               <a:t>Recursão é quando uma função se chama a si própria, isso pode gerar um </a:t>
             </a:r>
             <a:r>
-              <a:rPr lang="pt-PT" dirty="0" err="1"/>
+              <a:rPr lang="pt-PT" i="1" dirty="0" err="1"/>
               <a:t>loop</a:t>
             </a:r>
             <a:r>
@@ -4578,7 +4578,7 @@
               <a:t>. Em muitas situações é ineficiente usar a Recursão para fazer um </a:t>
             </a:r>
             <a:r>
-              <a:rPr lang="pt-PT" dirty="0" err="1"/>
+              <a:rPr lang="pt-PT" i="1" dirty="0" err="1"/>
               <a:t>loop</a:t>
             </a:r>
             <a:r>

--- a/JavaScript_Eloquent/EloquentJavaScript_Chapter-3.pptx
+++ b/JavaScript_Eloquent/EloquentJavaScript_Chapter-3.pptx
@@ -17,6 +17,7 @@
     <p:sldId id="267" r:id="rId11"/>
     <p:sldId id="266" r:id="rId12"/>
     <p:sldId id="270" r:id="rId13"/>
+    <p:sldId id="271" r:id="rId14"/>
   </p:sldIdLst>
   <p:sldSz cx="12192000" cy="6858000"/>
   <p:notesSz cx="6858000" cy="9144000"/>
@@ -526,7 +527,7 @@
           <a:p>
             <a:fld id="{B9D4D9C1-12AC-4C28-92F1-C3C7B8F5D24B}" type="datetimeFigureOut">
               <a:rPr lang="en-GB" smtClean="0"/>
-              <a:t>25/11/2024</a:t>
+              <a:t>06/12/2024</a:t>
             </a:fld>
             <a:endParaRPr lang="en-GB" dirty="0"/>
           </a:p>
@@ -577,7 +578,7 @@
           <a:p>
             <a:fld id="{39141FE9-BA5D-46EE-85A7-424E51D7C8C9}" type="slidenum">
               <a:rPr lang="en-GB" smtClean="0"/>
-              <a:t>‹nº›</a:t>
+              <a:t>‹#›</a:t>
             </a:fld>
             <a:endParaRPr lang="en-GB" dirty="0"/>
           </a:p>
@@ -705,7 +706,7 @@
           <a:p>
             <a:fld id="{B9D4D9C1-12AC-4C28-92F1-C3C7B8F5D24B}" type="datetimeFigureOut">
               <a:rPr lang="en-GB" smtClean="0"/>
-              <a:t>25/11/2024</a:t>
+              <a:t>06/12/2024</a:t>
             </a:fld>
             <a:endParaRPr lang="en-GB" dirty="0"/>
           </a:p>
@@ -747,7 +748,7 @@
           <a:p>
             <a:fld id="{39141FE9-BA5D-46EE-85A7-424E51D7C8C9}" type="slidenum">
               <a:rPr lang="en-GB" smtClean="0"/>
-              <a:t>‹nº›</a:t>
+              <a:t>‹#›</a:t>
             </a:fld>
             <a:endParaRPr lang="en-GB" dirty="0"/>
           </a:p>
@@ -885,7 +886,7 @@
           <a:p>
             <a:fld id="{B9D4D9C1-12AC-4C28-92F1-C3C7B8F5D24B}" type="datetimeFigureOut">
               <a:rPr lang="en-GB" smtClean="0"/>
-              <a:t>25/11/2024</a:t>
+              <a:t>06/12/2024</a:t>
             </a:fld>
             <a:endParaRPr lang="en-GB" dirty="0"/>
           </a:p>
@@ -927,7 +928,7 @@
           <a:p>
             <a:fld id="{39141FE9-BA5D-46EE-85A7-424E51D7C8C9}" type="slidenum">
               <a:rPr lang="en-GB" smtClean="0"/>
-              <a:t>‹nº›</a:t>
+              <a:t>‹#›</a:t>
             </a:fld>
             <a:endParaRPr lang="en-GB" dirty="0"/>
           </a:p>
@@ -1055,7 +1056,7 @@
           <a:p>
             <a:fld id="{B9D4D9C1-12AC-4C28-92F1-C3C7B8F5D24B}" type="datetimeFigureOut">
               <a:rPr lang="en-GB" smtClean="0"/>
-              <a:t>25/11/2024</a:t>
+              <a:t>06/12/2024</a:t>
             </a:fld>
             <a:endParaRPr lang="en-GB" dirty="0"/>
           </a:p>
@@ -1097,7 +1098,7 @@
           <a:p>
             <a:fld id="{39141FE9-BA5D-46EE-85A7-424E51D7C8C9}" type="slidenum">
               <a:rPr lang="en-GB" smtClean="0"/>
-              <a:t>‹nº›</a:t>
+              <a:t>‹#›</a:t>
             </a:fld>
             <a:endParaRPr lang="en-GB" dirty="0"/>
           </a:p>
@@ -1368,7 +1369,7 @@
           <a:p>
             <a:fld id="{B9D4D9C1-12AC-4C28-92F1-C3C7B8F5D24B}" type="datetimeFigureOut">
               <a:rPr lang="en-GB" smtClean="0"/>
-              <a:t>25/11/2024</a:t>
+              <a:t>06/12/2024</a:t>
             </a:fld>
             <a:endParaRPr lang="en-GB" dirty="0"/>
           </a:p>
@@ -1508,7 +1509,7 @@
           <a:p>
             <a:fld id="{39141FE9-BA5D-46EE-85A7-424E51D7C8C9}" type="slidenum">
               <a:rPr lang="en-GB" smtClean="0"/>
-              <a:t>‹nº›</a:t>
+              <a:t>‹#›</a:t>
             </a:fld>
             <a:endParaRPr lang="en-GB" dirty="0"/>
           </a:p>
@@ -1754,7 +1755,7 @@
           <a:p>
             <a:fld id="{B9D4D9C1-12AC-4C28-92F1-C3C7B8F5D24B}" type="datetimeFigureOut">
               <a:rPr lang="en-GB" smtClean="0"/>
-              <a:t>25/11/2024</a:t>
+              <a:t>06/12/2024</a:t>
             </a:fld>
             <a:endParaRPr lang="en-GB" dirty="0"/>
           </a:p>
@@ -1796,7 +1797,7 @@
           <a:p>
             <a:fld id="{39141FE9-BA5D-46EE-85A7-424E51D7C8C9}" type="slidenum">
               <a:rPr lang="en-GB" smtClean="0"/>
-              <a:t>‹nº›</a:t>
+              <a:t>‹#›</a:t>
             </a:fld>
             <a:endParaRPr lang="en-GB" dirty="0"/>
           </a:p>
@@ -2188,7 +2189,7 @@
           <a:p>
             <a:fld id="{B9D4D9C1-12AC-4C28-92F1-C3C7B8F5D24B}" type="datetimeFigureOut">
               <a:rPr lang="en-GB" smtClean="0"/>
-              <a:t>25/11/2024</a:t>
+              <a:t>06/12/2024</a:t>
             </a:fld>
             <a:endParaRPr lang="en-GB" dirty="0"/>
           </a:p>
@@ -2230,7 +2231,7 @@
           <a:p>
             <a:fld id="{39141FE9-BA5D-46EE-85A7-424E51D7C8C9}" type="slidenum">
               <a:rPr lang="en-GB" smtClean="0"/>
-              <a:t>‹nº›</a:t>
+              <a:t>‹#›</a:t>
             </a:fld>
             <a:endParaRPr lang="en-GB" dirty="0"/>
           </a:p>
@@ -2306,7 +2307,7 @@
           <a:p>
             <a:fld id="{B9D4D9C1-12AC-4C28-92F1-C3C7B8F5D24B}" type="datetimeFigureOut">
               <a:rPr lang="en-GB" smtClean="0"/>
-              <a:t>25/11/2024</a:t>
+              <a:t>06/12/2024</a:t>
             </a:fld>
             <a:endParaRPr lang="en-GB" dirty="0"/>
           </a:p>
@@ -2348,7 +2349,7 @@
           <a:p>
             <a:fld id="{39141FE9-BA5D-46EE-85A7-424E51D7C8C9}" type="slidenum">
               <a:rPr lang="en-GB" smtClean="0"/>
-              <a:t>‹nº›</a:t>
+              <a:t>‹#›</a:t>
             </a:fld>
             <a:endParaRPr lang="en-GB" dirty="0"/>
           </a:p>
@@ -2401,7 +2402,7 @@
           <a:p>
             <a:fld id="{B9D4D9C1-12AC-4C28-92F1-C3C7B8F5D24B}" type="datetimeFigureOut">
               <a:rPr lang="en-GB" smtClean="0"/>
-              <a:t>25/11/2024</a:t>
+              <a:t>06/12/2024</a:t>
             </a:fld>
             <a:endParaRPr lang="en-GB" dirty="0"/>
           </a:p>
@@ -2443,7 +2444,7 @@
           <a:p>
             <a:fld id="{39141FE9-BA5D-46EE-85A7-424E51D7C8C9}" type="slidenum">
               <a:rPr lang="en-GB" smtClean="0"/>
-              <a:t>‹nº›</a:t>
+              <a:t>‹#›</a:t>
             </a:fld>
             <a:endParaRPr lang="en-GB" dirty="0"/>
           </a:p>
@@ -2751,7 +2752,7 @@
           <a:p>
             <a:fld id="{B9D4D9C1-12AC-4C28-92F1-C3C7B8F5D24B}" type="datetimeFigureOut">
               <a:rPr lang="en-GB" smtClean="0"/>
-              <a:t>25/11/2024</a:t>
+              <a:t>06/12/2024</a:t>
             </a:fld>
             <a:endParaRPr lang="en-GB" dirty="0"/>
           </a:p>
@@ -2882,7 +2883,7 @@
           <a:p>
             <a:fld id="{39141FE9-BA5D-46EE-85A7-424E51D7C8C9}" type="slidenum">
               <a:rPr lang="en-GB" smtClean="0"/>
-              <a:t>‹nº›</a:t>
+              <a:t>‹#›</a:t>
             </a:fld>
             <a:endParaRPr lang="en-GB" dirty="0"/>
           </a:p>
@@ -3176,7 +3177,7 @@
           <a:p>
             <a:fld id="{B9D4D9C1-12AC-4C28-92F1-C3C7B8F5D24B}" type="datetimeFigureOut">
               <a:rPr lang="en-GB" smtClean="0"/>
-              <a:t>25/11/2024</a:t>
+              <a:t>06/12/2024</a:t>
             </a:fld>
             <a:endParaRPr lang="en-GB" dirty="0"/>
           </a:p>
@@ -3288,7 +3289,7 @@
           <a:p>
             <a:fld id="{39141FE9-BA5D-46EE-85A7-424E51D7C8C9}" type="slidenum">
               <a:rPr lang="en-GB" smtClean="0"/>
-              <a:t>‹nº›</a:t>
+              <a:t>‹#›</a:t>
             </a:fld>
             <a:endParaRPr lang="en-GB" dirty="0"/>
           </a:p>
@@ -3457,7 +3458,7 @@
           <a:p>
             <a:fld id="{B9D4D9C1-12AC-4C28-92F1-C3C7B8F5D24B}" type="datetimeFigureOut">
               <a:rPr lang="en-GB" smtClean="0"/>
-              <a:t>25/11/2024</a:t>
+              <a:t>06/12/2024</a:t>
             </a:fld>
             <a:endParaRPr lang="en-GB" dirty="0"/>
           </a:p>
@@ -3621,7 +3622,7 @@
           <a:p>
             <a:fld id="{39141FE9-BA5D-46EE-85A7-424E51D7C8C9}" type="slidenum">
               <a:rPr lang="en-GB" smtClean="0"/>
-              <a:t>‹nº›</a:t>
+              <a:t>‹#›</a:t>
             </a:fld>
             <a:endParaRPr lang="en-GB" dirty="0"/>
           </a:p>
@@ -4435,28 +4436,8 @@
           <a:lstStyle/>
           <a:p>
             <a:r>
-              <a:rPr lang="pt-PT" dirty="0" err="1"/>
-              <a:t>Closure</a:t>
-            </a:r>
-            <a:r>
               <a:rPr lang="pt-PT" dirty="0"/>
-              <a:t> (talvez fazer depois, se o </a:t>
-            </a:r>
-            <a:r>
-              <a:rPr lang="pt-PT" dirty="0" err="1"/>
-              <a:t>powerpoint</a:t>
-            </a:r>
-            <a:r>
-              <a:rPr lang="pt-PT" dirty="0"/>
-              <a:t> n ficar </a:t>
-            </a:r>
-            <a:r>
-              <a:rPr lang="pt-PT" dirty="0" err="1"/>
-              <a:t>mt</a:t>
-            </a:r>
-            <a:r>
-              <a:rPr lang="pt-PT" dirty="0"/>
-              <a:t> longo)</a:t>
+              <a:t>Closure (talvez fazer depois, se o powerpoint n ficar mt longo)</a:t>
             </a:r>
           </a:p>
         </p:txBody>
@@ -4570,20 +4551,123 @@
               <a:t>Recursão é quando uma função se chama a si própria, isso pode gerar um </a:t>
             </a:r>
             <a:r>
-              <a:rPr lang="pt-PT" i="1" dirty="0" err="1"/>
+              <a:rPr lang="pt-PT" i="1" dirty="0"/>
               <a:t>loop</a:t>
             </a:r>
             <a:r>
               <a:rPr lang="pt-PT" dirty="0"/>
-              <a:t>. Em muitas situações é ineficiente usar a Recursão para fazer um </a:t>
-            </a:r>
-            <a:r>
-              <a:rPr lang="pt-PT" i="1" dirty="0" err="1"/>
+              <a:t>. Em muitas situações é ineficiente usar a Recursão ao invés de um </a:t>
+            </a:r>
+            <a:r>
+              <a:rPr lang="pt-PT" i="1" dirty="0"/>
               <a:t>loop</a:t>
             </a:r>
             <a:r>
               <a:rPr lang="pt-PT" dirty="0"/>
-              <a:t>, porém há alguns casos onde a recursão pode tornar o código mais simples e claro, por exemplo </a:t>
+              <a:t>, porém há alguns casos onde a recursão pode tornar o código mais simples e claro, por exemplo em Estruturas Hierárquicas onde usar a recursão ao invés de loops torna o código mais legível e intuitivo, ou também em problemas matemáticos recursivos como por exemplo a factorização.</a:t>
+            </a:r>
+          </a:p>
+        </p:txBody>
+      </p:sp>
+      <p:pic>
+        <p:nvPicPr>
+          <p:cNvPr id="5" name="Picture 4">
+            <a:extLst>
+              <a:ext uri="{FF2B5EF4-FFF2-40B4-BE49-F238E27FC236}">
+                <a16:creationId xmlns:a16="http://schemas.microsoft.com/office/drawing/2014/main" id="{43A679C5-E569-47B3-BDB0-8E05B1DFAC70}"/>
+              </a:ext>
+            </a:extLst>
+          </p:cNvPr>
+          <p:cNvPicPr>
+            <a:picLocks noChangeAspect="1"/>
+          </p:cNvPicPr>
+          <p:nvPr/>
+        </p:nvPicPr>
+        <p:blipFill>
+          <a:blip r:embed="rId2"/>
+          <a:stretch>
+            <a:fillRect/>
+          </a:stretch>
+        </p:blipFill>
+        <p:spPr>
+          <a:xfrm>
+            <a:off x="2743699" y="4262154"/>
+            <a:ext cx="2514951" cy="1314633"/>
+          </a:xfrm>
+          <a:prstGeom prst="rect">
+            <a:avLst/>
+          </a:prstGeom>
+        </p:spPr>
+      </p:pic>
+      <p:pic>
+        <p:nvPicPr>
+          <p:cNvPr id="7" name="Picture 6">
+            <a:extLst>
+              <a:ext uri="{FF2B5EF4-FFF2-40B4-BE49-F238E27FC236}">
+                <a16:creationId xmlns:a16="http://schemas.microsoft.com/office/drawing/2014/main" id="{57D3F923-E170-4EA0-9459-BD9BAF503CA1}"/>
+              </a:ext>
+            </a:extLst>
+          </p:cNvPr>
+          <p:cNvPicPr>
+            <a:picLocks noChangeAspect="1"/>
+          </p:cNvPicPr>
+          <p:nvPr/>
+        </p:nvPicPr>
+        <p:blipFill>
+          <a:blip r:embed="rId3"/>
+          <a:stretch>
+            <a:fillRect/>
+          </a:stretch>
+        </p:blipFill>
+        <p:spPr>
+          <a:xfrm>
+            <a:off x="6347284" y="4009707"/>
+            <a:ext cx="2514951" cy="1819529"/>
+          </a:xfrm>
+          <a:prstGeom prst="rect">
+            <a:avLst/>
+          </a:prstGeom>
+        </p:spPr>
+      </p:pic>
+      <p:sp>
+        <p:nvSpPr>
+          <p:cNvPr id="8" name="CaixaDeTexto 10">
+            <a:extLst>
+              <a:ext uri="{FF2B5EF4-FFF2-40B4-BE49-F238E27FC236}">
+                <a16:creationId xmlns:a16="http://schemas.microsoft.com/office/drawing/2014/main" id="{AA9D9C13-AE62-67E8-BA99-AC46CAAB04BF}"/>
+              </a:ext>
+            </a:extLst>
+          </p:cNvPr>
+          <p:cNvSpPr txBox="1"/>
+          <p:nvPr/>
+        </p:nvSpPr>
+        <p:spPr>
+          <a:xfrm>
+            <a:off x="2889505" y="5918284"/>
+            <a:ext cx="6291072" cy="415498"/>
+          </a:xfrm>
+          <a:prstGeom prst="rect">
+            <a:avLst/>
+          </a:prstGeom>
+          <a:noFill/>
+        </p:spPr>
+        <p:txBody>
+          <a:bodyPr wrap="square" rtlCol="0">
+            <a:spAutoFit/>
+          </a:bodyPr>
+          <a:lstStyle/>
+          <a:p>
+            <a:r>
+              <a:rPr lang="pt-PT" sz="1050" dirty="0"/>
+              <a:t>Funções que fazem o calculo fatorial de um número, a primeira usa recursão e a segunda usa um loop </a:t>
+            </a:r>
+            <a:r>
+              <a:rPr lang="pt-PT" sz="1050" i="1" dirty="0"/>
+              <a:t>for</a:t>
+            </a:r>
+            <a:r>
+              <a:rPr lang="pt-PT" sz="1050" dirty="0"/>
+              <a:t>.</a:t>
             </a:r>
           </a:p>
         </p:txBody>
@@ -4592,6 +4676,86 @@
     <p:extLst>
       <p:ext uri="{BB962C8B-B14F-4D97-AF65-F5344CB8AC3E}">
         <p14:creationId xmlns:p14="http://schemas.microsoft.com/office/powerpoint/2010/main" val="4083146987"/>
+      </p:ext>
+    </p:extLst>
+  </p:cSld>
+  <p:clrMapOvr>
+    <a:masterClrMapping/>
+  </p:clrMapOvr>
+</p:sld>
+</file>
+
+<file path=ppt/slides/slide13.xml><?xml version="1.0" encoding="utf-8"?>
+<p:sld xmlns:a="http://schemas.openxmlformats.org/drawingml/2006/main" xmlns:r="http://schemas.openxmlformats.org/officeDocument/2006/relationships" xmlns:p="http://schemas.openxmlformats.org/presentationml/2006/main">
+  <p:cSld>
+    <p:spTree>
+      <p:nvGrpSpPr>
+        <p:cNvPr id="1" name=""/>
+        <p:cNvGrpSpPr/>
+        <p:nvPr/>
+      </p:nvGrpSpPr>
+      <p:grpSpPr>
+        <a:xfrm>
+          <a:off x="0" y="0"/>
+          <a:ext cx="0" cy="0"/>
+          <a:chOff x="0" y="0"/>
+          <a:chExt cx="0" cy="0"/>
+        </a:xfrm>
+      </p:grpSpPr>
+      <p:sp>
+        <p:nvSpPr>
+          <p:cNvPr id="2" name="Title 1">
+            <a:extLst>
+              <a:ext uri="{FF2B5EF4-FFF2-40B4-BE49-F238E27FC236}">
+                <a16:creationId xmlns:a16="http://schemas.microsoft.com/office/drawing/2014/main" id="{E79E3CD4-6371-7EDF-8755-A9E1ABC30771}"/>
+              </a:ext>
+            </a:extLst>
+          </p:cNvPr>
+          <p:cNvSpPr>
+            <a:spLocks noGrp="1"/>
+          </p:cNvSpPr>
+          <p:nvPr>
+            <p:ph type="title"/>
+          </p:nvPr>
+        </p:nvSpPr>
+        <p:spPr/>
+        <p:txBody>
+          <a:bodyPr/>
+          <a:lstStyle/>
+          <a:p>
+            <a:endParaRPr lang="en-GB"/>
+          </a:p>
+        </p:txBody>
+      </p:sp>
+      <p:sp>
+        <p:nvSpPr>
+          <p:cNvPr id="3" name="Content Placeholder 2">
+            <a:extLst>
+              <a:ext uri="{FF2B5EF4-FFF2-40B4-BE49-F238E27FC236}">
+                <a16:creationId xmlns:a16="http://schemas.microsoft.com/office/drawing/2014/main" id="{73713530-1E88-16E3-2AFC-1CA8C3651D80}"/>
+              </a:ext>
+            </a:extLst>
+          </p:cNvPr>
+          <p:cNvSpPr>
+            <a:spLocks noGrp="1"/>
+          </p:cNvSpPr>
+          <p:nvPr>
+            <p:ph idx="1"/>
+          </p:nvPr>
+        </p:nvSpPr>
+        <p:spPr/>
+        <p:txBody>
+          <a:bodyPr/>
+          <a:lstStyle/>
+          <a:p>
+            <a:endParaRPr lang="en-GB"/>
+          </a:p>
+        </p:txBody>
+      </p:sp>
+    </p:spTree>
+    <p:extLst>
+      <p:ext uri="{BB962C8B-B14F-4D97-AF65-F5344CB8AC3E}">
+        <p14:creationId xmlns:p14="http://schemas.microsoft.com/office/powerpoint/2010/main" val="648898136"/>
       </p:ext>
     </p:extLst>
   </p:cSld>
@@ -4727,7 +4891,7 @@
           </a:bodyPr>
           <a:lstStyle/>
           <a:p>
-            <a:endParaRPr lang="pt-PT"/>
+            <a:endParaRPr lang="pt-PT" dirty="0"/>
           </a:p>
         </p:txBody>
       </p:sp>
@@ -5191,12 +5355,8 @@
           <a:lstStyle/>
           <a:p>
             <a:r>
-              <a:rPr lang="pt-PT"/>
-              <a:t>Variáveis globais e </a:t>
-            </a:r>
-            <a:r>
               <a:rPr lang="pt-PT" dirty="0"/>
-              <a:t>Locais</a:t>
+              <a:t>Variáveis globais e Locais</a:t>
             </a:r>
           </a:p>
         </p:txBody>

--- a/JavaScript_Eloquent/EloquentJavaScript_Chapter-3.pptx
+++ b/JavaScript_Eloquent/EloquentJavaScript_Chapter-3.pptx
@@ -4564,7 +4564,23 @@
             </a:r>
             <a:r>
               <a:rPr lang="pt-PT" dirty="0"/>
-              <a:t>, porém há alguns casos onde a recursão pode tornar o código mais simples e claro, por exemplo em Estruturas Hierárquicas onde usar a recursão ao invés de loops torna o código mais legível e intuitivo, ou também em problemas matemáticos recursivos como por exemplo a factorização.</a:t>
+              <a:t>, porém há alguns casos onde a recursão pode tornar o código mais simples e claro, por exemplo em </a:t>
+            </a:r>
+            <a:r>
+              <a:rPr lang="pt-PT" i="1" dirty="0"/>
+              <a:t>Estruturas Hierárquicas</a:t>
+            </a:r>
+            <a:r>
+              <a:rPr lang="pt-PT" dirty="0"/>
+              <a:t> onde usar a recursão ao invés de </a:t>
+            </a:r>
+            <a:r>
+              <a:rPr lang="pt-PT" i="1" dirty="0"/>
+              <a:t>loops</a:t>
+            </a:r>
+            <a:r>
+              <a:rPr lang="pt-PT" dirty="0"/>
+              <a:t> torna o código mais legível e intuitivo, ou também em problemas matemáticos recursivos como por exemplo a factoração.</a:t>
             </a:r>
           </a:p>
         </p:txBody>

--- a/JavaScript_Eloquent/EloquentJavaScript_Chapter-3.pptx
+++ b/JavaScript_Eloquent/EloquentJavaScript_Chapter-3.pptx
@@ -527,7 +527,7 @@
           <a:p>
             <a:fld id="{B9D4D9C1-12AC-4C28-92F1-C3C7B8F5D24B}" type="datetimeFigureOut">
               <a:rPr lang="en-GB" smtClean="0"/>
-              <a:t>06/12/2024</a:t>
+              <a:t>09/12/2024</a:t>
             </a:fld>
             <a:endParaRPr lang="en-GB" dirty="0"/>
           </a:p>
@@ -706,7 +706,7 @@
           <a:p>
             <a:fld id="{B9D4D9C1-12AC-4C28-92F1-C3C7B8F5D24B}" type="datetimeFigureOut">
               <a:rPr lang="en-GB" smtClean="0"/>
-              <a:t>06/12/2024</a:t>
+              <a:t>09/12/2024</a:t>
             </a:fld>
             <a:endParaRPr lang="en-GB" dirty="0"/>
           </a:p>
@@ -886,7 +886,7 @@
           <a:p>
             <a:fld id="{B9D4D9C1-12AC-4C28-92F1-C3C7B8F5D24B}" type="datetimeFigureOut">
               <a:rPr lang="en-GB" smtClean="0"/>
-              <a:t>06/12/2024</a:t>
+              <a:t>09/12/2024</a:t>
             </a:fld>
             <a:endParaRPr lang="en-GB" dirty="0"/>
           </a:p>
@@ -1056,7 +1056,7 @@
           <a:p>
             <a:fld id="{B9D4D9C1-12AC-4C28-92F1-C3C7B8F5D24B}" type="datetimeFigureOut">
               <a:rPr lang="en-GB" smtClean="0"/>
-              <a:t>06/12/2024</a:t>
+              <a:t>09/12/2024</a:t>
             </a:fld>
             <a:endParaRPr lang="en-GB" dirty="0"/>
           </a:p>
@@ -1369,7 +1369,7 @@
           <a:p>
             <a:fld id="{B9D4D9C1-12AC-4C28-92F1-C3C7B8F5D24B}" type="datetimeFigureOut">
               <a:rPr lang="en-GB" smtClean="0"/>
-              <a:t>06/12/2024</a:t>
+              <a:t>09/12/2024</a:t>
             </a:fld>
             <a:endParaRPr lang="en-GB" dirty="0"/>
           </a:p>
@@ -1755,7 +1755,7 @@
           <a:p>
             <a:fld id="{B9D4D9C1-12AC-4C28-92F1-C3C7B8F5D24B}" type="datetimeFigureOut">
               <a:rPr lang="en-GB" smtClean="0"/>
-              <a:t>06/12/2024</a:t>
+              <a:t>09/12/2024</a:t>
             </a:fld>
             <a:endParaRPr lang="en-GB" dirty="0"/>
           </a:p>
@@ -2189,7 +2189,7 @@
           <a:p>
             <a:fld id="{B9D4D9C1-12AC-4C28-92F1-C3C7B8F5D24B}" type="datetimeFigureOut">
               <a:rPr lang="en-GB" smtClean="0"/>
-              <a:t>06/12/2024</a:t>
+              <a:t>09/12/2024</a:t>
             </a:fld>
             <a:endParaRPr lang="en-GB" dirty="0"/>
           </a:p>
@@ -2307,7 +2307,7 @@
           <a:p>
             <a:fld id="{B9D4D9C1-12AC-4C28-92F1-C3C7B8F5D24B}" type="datetimeFigureOut">
               <a:rPr lang="en-GB" smtClean="0"/>
-              <a:t>06/12/2024</a:t>
+              <a:t>09/12/2024</a:t>
             </a:fld>
             <a:endParaRPr lang="en-GB" dirty="0"/>
           </a:p>
@@ -2402,7 +2402,7 @@
           <a:p>
             <a:fld id="{B9D4D9C1-12AC-4C28-92F1-C3C7B8F5D24B}" type="datetimeFigureOut">
               <a:rPr lang="en-GB" smtClean="0"/>
-              <a:t>06/12/2024</a:t>
+              <a:t>09/12/2024</a:t>
             </a:fld>
             <a:endParaRPr lang="en-GB" dirty="0"/>
           </a:p>
@@ -2752,7 +2752,7 @@
           <a:p>
             <a:fld id="{B9D4D9C1-12AC-4C28-92F1-C3C7B8F5D24B}" type="datetimeFigureOut">
               <a:rPr lang="en-GB" smtClean="0"/>
-              <a:t>06/12/2024</a:t>
+              <a:t>09/12/2024</a:t>
             </a:fld>
             <a:endParaRPr lang="en-GB" dirty="0"/>
           </a:p>
@@ -3177,7 +3177,7 @@
           <a:p>
             <a:fld id="{B9D4D9C1-12AC-4C28-92F1-C3C7B8F5D24B}" type="datetimeFigureOut">
               <a:rPr lang="en-GB" smtClean="0"/>
-              <a:t>06/12/2024</a:t>
+              <a:t>09/12/2024</a:t>
             </a:fld>
             <a:endParaRPr lang="en-GB" dirty="0"/>
           </a:p>
@@ -3458,7 +3458,7 @@
           <a:p>
             <a:fld id="{B9D4D9C1-12AC-4C28-92F1-C3C7B8F5D24B}" type="datetimeFigureOut">
               <a:rPr lang="en-GB" smtClean="0"/>
-              <a:t>06/12/2024</a:t>
+              <a:t>09/12/2024</a:t>
             </a:fld>
             <a:endParaRPr lang="en-GB" dirty="0"/>
           </a:p>
@@ -4436,9 +4436,10 @@
           <a:lstStyle/>
           <a:p>
             <a:r>
-              <a:rPr lang="pt-PT" dirty="0"/>
-              <a:t>Closure (talvez fazer depois, se o powerpoint n ficar mt longo)</a:t>
-            </a:r>
+              <a:rPr lang="pt-PT" dirty="0" err="1"/>
+              <a:t>Closure</a:t>
+            </a:r>
+            <a:endParaRPr lang="pt-PT" dirty="0"/>
           </a:p>
         </p:txBody>
       </p:sp>

--- a/JavaScript_Eloquent/EloquentJavaScript_Chapter-3.pptx
+++ b/JavaScript_Eloquent/EloquentJavaScript_Chapter-3.pptx
@@ -17,7 +17,6 @@
     <p:sldId id="267" r:id="rId11"/>
     <p:sldId id="266" r:id="rId12"/>
     <p:sldId id="270" r:id="rId13"/>
-    <p:sldId id="271" r:id="rId14"/>
   </p:sldIdLst>
   <p:sldSz cx="12192000" cy="6858000"/>
   <p:notesSz cx="6858000" cy="9144000"/>
@@ -527,7 +526,7 @@
           <a:p>
             <a:fld id="{B9D4D9C1-12AC-4C28-92F1-C3C7B8F5D24B}" type="datetimeFigureOut">
               <a:rPr lang="en-GB" smtClean="0"/>
-              <a:t>09/12/2024</a:t>
+              <a:t>12/12/2024</a:t>
             </a:fld>
             <a:endParaRPr lang="en-GB" dirty="0"/>
           </a:p>
@@ -706,7 +705,7 @@
           <a:p>
             <a:fld id="{B9D4D9C1-12AC-4C28-92F1-C3C7B8F5D24B}" type="datetimeFigureOut">
               <a:rPr lang="en-GB" smtClean="0"/>
-              <a:t>09/12/2024</a:t>
+              <a:t>12/12/2024</a:t>
             </a:fld>
             <a:endParaRPr lang="en-GB" dirty="0"/>
           </a:p>
@@ -886,7 +885,7 @@
           <a:p>
             <a:fld id="{B9D4D9C1-12AC-4C28-92F1-C3C7B8F5D24B}" type="datetimeFigureOut">
               <a:rPr lang="en-GB" smtClean="0"/>
-              <a:t>09/12/2024</a:t>
+              <a:t>12/12/2024</a:t>
             </a:fld>
             <a:endParaRPr lang="en-GB" dirty="0"/>
           </a:p>
@@ -1056,7 +1055,7 @@
           <a:p>
             <a:fld id="{B9D4D9C1-12AC-4C28-92F1-C3C7B8F5D24B}" type="datetimeFigureOut">
               <a:rPr lang="en-GB" smtClean="0"/>
-              <a:t>09/12/2024</a:t>
+              <a:t>12/12/2024</a:t>
             </a:fld>
             <a:endParaRPr lang="en-GB" dirty="0"/>
           </a:p>
@@ -1369,7 +1368,7 @@
           <a:p>
             <a:fld id="{B9D4D9C1-12AC-4C28-92F1-C3C7B8F5D24B}" type="datetimeFigureOut">
               <a:rPr lang="en-GB" smtClean="0"/>
-              <a:t>09/12/2024</a:t>
+              <a:t>12/12/2024</a:t>
             </a:fld>
             <a:endParaRPr lang="en-GB" dirty="0"/>
           </a:p>
@@ -1755,7 +1754,7 @@
           <a:p>
             <a:fld id="{B9D4D9C1-12AC-4C28-92F1-C3C7B8F5D24B}" type="datetimeFigureOut">
               <a:rPr lang="en-GB" smtClean="0"/>
-              <a:t>09/12/2024</a:t>
+              <a:t>12/12/2024</a:t>
             </a:fld>
             <a:endParaRPr lang="en-GB" dirty="0"/>
           </a:p>
@@ -2189,7 +2188,7 @@
           <a:p>
             <a:fld id="{B9D4D9C1-12AC-4C28-92F1-C3C7B8F5D24B}" type="datetimeFigureOut">
               <a:rPr lang="en-GB" smtClean="0"/>
-              <a:t>09/12/2024</a:t>
+              <a:t>12/12/2024</a:t>
             </a:fld>
             <a:endParaRPr lang="en-GB" dirty="0"/>
           </a:p>
@@ -2307,7 +2306,7 @@
           <a:p>
             <a:fld id="{B9D4D9C1-12AC-4C28-92F1-C3C7B8F5D24B}" type="datetimeFigureOut">
               <a:rPr lang="en-GB" smtClean="0"/>
-              <a:t>09/12/2024</a:t>
+              <a:t>12/12/2024</a:t>
             </a:fld>
             <a:endParaRPr lang="en-GB" dirty="0"/>
           </a:p>
@@ -2402,7 +2401,7 @@
           <a:p>
             <a:fld id="{B9D4D9C1-12AC-4C28-92F1-C3C7B8F5D24B}" type="datetimeFigureOut">
               <a:rPr lang="en-GB" smtClean="0"/>
-              <a:t>09/12/2024</a:t>
+              <a:t>12/12/2024</a:t>
             </a:fld>
             <a:endParaRPr lang="en-GB" dirty="0"/>
           </a:p>
@@ -2752,7 +2751,7 @@
           <a:p>
             <a:fld id="{B9D4D9C1-12AC-4C28-92F1-C3C7B8F5D24B}" type="datetimeFigureOut">
               <a:rPr lang="en-GB" smtClean="0"/>
-              <a:t>09/12/2024</a:t>
+              <a:t>12/12/2024</a:t>
             </a:fld>
             <a:endParaRPr lang="en-GB" dirty="0"/>
           </a:p>
@@ -3177,7 +3176,7 @@
           <a:p>
             <a:fld id="{B9D4D9C1-12AC-4C28-92F1-C3C7B8F5D24B}" type="datetimeFigureOut">
               <a:rPr lang="en-GB" smtClean="0"/>
-              <a:t>09/12/2024</a:t>
+              <a:t>12/12/2024</a:t>
             </a:fld>
             <a:endParaRPr lang="en-GB" dirty="0"/>
           </a:p>
@@ -3458,7 +3457,7 @@
           <a:p>
             <a:fld id="{B9D4D9C1-12AC-4C28-92F1-C3C7B8F5D24B}" type="datetimeFigureOut">
               <a:rPr lang="en-GB" smtClean="0"/>
-              <a:t>09/12/2024</a:t>
+              <a:t>12/12/2024</a:t>
             </a:fld>
             <a:endParaRPr lang="en-GB" dirty="0"/>
           </a:p>
@@ -4436,10 +4435,9 @@
           <a:lstStyle/>
           <a:p>
             <a:r>
-              <a:rPr lang="pt-PT" dirty="0" err="1"/>
+              <a:rPr lang="pt-PT" dirty="0"/>
               <a:t>Closure</a:t>
             </a:r>
-            <a:endParaRPr lang="pt-PT" dirty="0"/>
           </a:p>
         </p:txBody>
       </p:sp>
@@ -4464,7 +4462,148 @@
           <a:bodyPr/>
           <a:lstStyle/>
           <a:p>
-            <a:endParaRPr lang="pt-PT" dirty="0"/>
+            <a:r>
+              <a:rPr lang="pt-PT" dirty="0"/>
+              <a:t>Normalmente, quando uma função termina, as variáveis que foram declaradas localmente naquela função desaparecem, no entanto casa seja criado um </a:t>
+            </a:r>
+            <a:r>
+              <a:rPr lang="pt-PT" b="1" dirty="0"/>
+              <a:t>Closure </a:t>
+            </a:r>
+            <a:r>
+              <a:rPr lang="pt-PT" dirty="0"/>
+              <a:t>pudemos possibilitar que essas variáveis sejam lembradas pelo programa e chama-las posteriormente. </a:t>
+            </a:r>
+          </a:p>
+        </p:txBody>
+      </p:sp>
+      <p:pic>
+        <p:nvPicPr>
+          <p:cNvPr id="9" name="Picture 8">
+            <a:extLst>
+              <a:ext uri="{FF2B5EF4-FFF2-40B4-BE49-F238E27FC236}">
+                <a16:creationId xmlns:a16="http://schemas.microsoft.com/office/drawing/2014/main" id="{E16D908B-684B-51E1-BE1F-C11AAB829A0A}"/>
+              </a:ext>
+            </a:extLst>
+          </p:cNvPr>
+          <p:cNvPicPr>
+            <a:picLocks noChangeAspect="1"/>
+          </p:cNvPicPr>
+          <p:nvPr/>
+        </p:nvPicPr>
+        <p:blipFill>
+          <a:blip r:embed="rId2"/>
+          <a:stretch>
+            <a:fillRect/>
+          </a:stretch>
+        </p:blipFill>
+        <p:spPr>
+          <a:xfrm>
+            <a:off x="6606809" y="3591837"/>
+            <a:ext cx="2676899" cy="2086266"/>
+          </a:xfrm>
+          <a:prstGeom prst="rect">
+            <a:avLst/>
+          </a:prstGeom>
+        </p:spPr>
+      </p:pic>
+      <p:sp>
+        <p:nvSpPr>
+          <p:cNvPr id="10" name="CaixaDeTexto 7">
+            <a:extLst>
+              <a:ext uri="{FF2B5EF4-FFF2-40B4-BE49-F238E27FC236}">
+                <a16:creationId xmlns:a16="http://schemas.microsoft.com/office/drawing/2014/main" id="{4DE18E5E-AA8C-1EDD-D02F-865212BFE1F7}"/>
+              </a:ext>
+            </a:extLst>
+          </p:cNvPr>
+          <p:cNvSpPr txBox="1"/>
+          <p:nvPr/>
+        </p:nvSpPr>
+        <p:spPr>
+          <a:xfrm>
+            <a:off x="1923031" y="5991883"/>
+            <a:ext cx="2767841" cy="415498"/>
+          </a:xfrm>
+          <a:prstGeom prst="rect">
+            <a:avLst/>
+          </a:prstGeom>
+          <a:noFill/>
+        </p:spPr>
+        <p:txBody>
+          <a:bodyPr wrap="square" rtlCol="0">
+            <a:spAutoFit/>
+          </a:bodyPr>
+          <a:lstStyle/>
+          <a:p>
+            <a:r>
+              <a:rPr lang="pt-PT" sz="1050" dirty="0"/>
+              <a:t>Função que cria um Closure que guarda um número.</a:t>
+            </a:r>
+          </a:p>
+        </p:txBody>
+      </p:sp>
+      <p:pic>
+        <p:nvPicPr>
+          <p:cNvPr id="14" name="Picture 13">
+            <a:extLst>
+              <a:ext uri="{FF2B5EF4-FFF2-40B4-BE49-F238E27FC236}">
+                <a16:creationId xmlns:a16="http://schemas.microsoft.com/office/drawing/2014/main" id="{0AB061F6-6D90-27F2-3D52-779179B4B71D}"/>
+              </a:ext>
+            </a:extLst>
+          </p:cNvPr>
+          <p:cNvPicPr>
+            <a:picLocks noChangeAspect="1"/>
+          </p:cNvPicPr>
+          <p:nvPr/>
+        </p:nvPicPr>
+        <p:blipFill>
+          <a:blip r:embed="rId3"/>
+          <a:stretch>
+            <a:fillRect/>
+          </a:stretch>
+        </p:blipFill>
+        <p:spPr>
+          <a:xfrm>
+            <a:off x="2345859" y="3413225"/>
+            <a:ext cx="2105319" cy="2343477"/>
+          </a:xfrm>
+          <a:prstGeom prst="rect">
+            <a:avLst/>
+          </a:prstGeom>
+        </p:spPr>
+      </p:pic>
+      <p:sp>
+        <p:nvSpPr>
+          <p:cNvPr id="15" name="CaixaDeTexto 7">
+            <a:extLst>
+              <a:ext uri="{FF2B5EF4-FFF2-40B4-BE49-F238E27FC236}">
+                <a16:creationId xmlns:a16="http://schemas.microsoft.com/office/drawing/2014/main" id="{EE1F3248-CC3A-DAE1-50F2-093F43E3E191}"/>
+              </a:ext>
+            </a:extLst>
+          </p:cNvPr>
+          <p:cNvSpPr txBox="1"/>
+          <p:nvPr/>
+        </p:nvSpPr>
+        <p:spPr>
+          <a:xfrm>
+            <a:off x="5715000" y="5964451"/>
+            <a:ext cx="4663439" cy="577081"/>
+          </a:xfrm>
+          <a:prstGeom prst="rect">
+            <a:avLst/>
+          </a:prstGeom>
+          <a:noFill/>
+        </p:spPr>
+        <p:txBody>
+          <a:bodyPr wrap="square" rtlCol="0">
+            <a:spAutoFit/>
+          </a:bodyPr>
+          <a:lstStyle/>
+          <a:p>
+            <a:r>
+              <a:rPr lang="pt-PT" sz="1050" dirty="0"/>
+              <a:t>Função que cria um Closure que guarda um multiplicador, e que chamamos o multiplicador e colocamos um número ele devolve a multiplicação.</a:t>
+            </a:r>
           </a:p>
         </p:txBody>
       </p:sp>
@@ -4693,86 +4832,6 @@
     <p:extLst>
       <p:ext uri="{BB962C8B-B14F-4D97-AF65-F5344CB8AC3E}">
         <p14:creationId xmlns:p14="http://schemas.microsoft.com/office/powerpoint/2010/main" val="4083146987"/>
-      </p:ext>
-    </p:extLst>
-  </p:cSld>
-  <p:clrMapOvr>
-    <a:masterClrMapping/>
-  </p:clrMapOvr>
-</p:sld>
-</file>
-
-<file path=ppt/slides/slide13.xml><?xml version="1.0" encoding="utf-8"?>
-<p:sld xmlns:a="http://schemas.openxmlformats.org/drawingml/2006/main" xmlns:r="http://schemas.openxmlformats.org/officeDocument/2006/relationships" xmlns:p="http://schemas.openxmlformats.org/presentationml/2006/main">
-  <p:cSld>
-    <p:spTree>
-      <p:nvGrpSpPr>
-        <p:cNvPr id="1" name=""/>
-        <p:cNvGrpSpPr/>
-        <p:nvPr/>
-      </p:nvGrpSpPr>
-      <p:grpSpPr>
-        <a:xfrm>
-          <a:off x="0" y="0"/>
-          <a:ext cx="0" cy="0"/>
-          <a:chOff x="0" y="0"/>
-          <a:chExt cx="0" cy="0"/>
-        </a:xfrm>
-      </p:grpSpPr>
-      <p:sp>
-        <p:nvSpPr>
-          <p:cNvPr id="2" name="Title 1">
-            <a:extLst>
-              <a:ext uri="{FF2B5EF4-FFF2-40B4-BE49-F238E27FC236}">
-                <a16:creationId xmlns:a16="http://schemas.microsoft.com/office/drawing/2014/main" id="{E79E3CD4-6371-7EDF-8755-A9E1ABC30771}"/>
-              </a:ext>
-            </a:extLst>
-          </p:cNvPr>
-          <p:cNvSpPr>
-            <a:spLocks noGrp="1"/>
-          </p:cNvSpPr>
-          <p:nvPr>
-            <p:ph type="title"/>
-          </p:nvPr>
-        </p:nvSpPr>
-        <p:spPr/>
-        <p:txBody>
-          <a:bodyPr/>
-          <a:lstStyle/>
-          <a:p>
-            <a:endParaRPr lang="en-GB"/>
-          </a:p>
-        </p:txBody>
-      </p:sp>
-      <p:sp>
-        <p:nvSpPr>
-          <p:cNvPr id="3" name="Content Placeholder 2">
-            <a:extLst>
-              <a:ext uri="{FF2B5EF4-FFF2-40B4-BE49-F238E27FC236}">
-                <a16:creationId xmlns:a16="http://schemas.microsoft.com/office/drawing/2014/main" id="{73713530-1E88-16E3-2AFC-1CA8C3651D80}"/>
-              </a:ext>
-            </a:extLst>
-          </p:cNvPr>
-          <p:cNvSpPr>
-            <a:spLocks noGrp="1"/>
-          </p:cNvSpPr>
-          <p:nvPr>
-            <p:ph idx="1"/>
-          </p:nvPr>
-        </p:nvSpPr>
-        <p:spPr/>
-        <p:txBody>
-          <a:bodyPr/>
-          <a:lstStyle/>
-          <a:p>
-            <a:endParaRPr lang="en-GB"/>
-          </a:p>
-        </p:txBody>
-      </p:sp>
-    </p:spTree>
-    <p:extLst>
-      <p:ext uri="{BB962C8B-B14F-4D97-AF65-F5344CB8AC3E}">
-        <p14:creationId xmlns:p14="http://schemas.microsoft.com/office/powerpoint/2010/main" val="648898136"/>
       </p:ext>
     </p:extLst>
   </p:cSld>

--- a/JavaScript_Eloquent/EloquentJavaScript_Chapter-3.pptx
+++ b/JavaScript_Eloquent/EloquentJavaScript_Chapter-3.pptx
@@ -4,6 +4,9 @@
   <p:sldMasterIdLst>
     <p:sldMasterId id="2147483660" r:id="rId1"/>
   </p:sldMasterIdLst>
+  <p:notesMasterIdLst>
+    <p:notesMasterId r:id="rId14"/>
+  </p:notesMasterIdLst>
   <p:sldIdLst>
     <p:sldId id="256" r:id="rId2"/>
     <p:sldId id="258" r:id="rId3"/>
@@ -123,6 +126,440 @@
 </p:presentation>
 </file>
 
+<file path=ppt/notesMasters/notesMaster1.xml><?xml version="1.0" encoding="utf-8"?>
+<p:notesMaster xmlns:a="http://schemas.openxmlformats.org/drawingml/2006/main" xmlns:r="http://schemas.openxmlformats.org/officeDocument/2006/relationships" xmlns:p="http://schemas.openxmlformats.org/presentationml/2006/main">
+  <p:cSld>
+    <p:bg>
+      <p:bgRef idx="1001">
+        <a:schemeClr val="bg1"/>
+      </p:bgRef>
+    </p:bg>
+    <p:spTree>
+      <p:nvGrpSpPr>
+        <p:cNvPr id="1" name=""/>
+        <p:cNvGrpSpPr/>
+        <p:nvPr/>
+      </p:nvGrpSpPr>
+      <p:grpSpPr>
+        <a:xfrm>
+          <a:off x="0" y="0"/>
+          <a:ext cx="0" cy="0"/>
+          <a:chOff x="0" y="0"/>
+          <a:chExt cx="0" cy="0"/>
+        </a:xfrm>
+      </p:grpSpPr>
+      <p:sp>
+        <p:nvSpPr>
+          <p:cNvPr id="2" name="Header Placeholder 1"/>
+          <p:cNvSpPr>
+            <a:spLocks noGrp="1"/>
+          </p:cNvSpPr>
+          <p:nvPr>
+            <p:ph type="hdr" sz="quarter"/>
+          </p:nvPr>
+        </p:nvSpPr>
+        <p:spPr>
+          <a:xfrm>
+            <a:off x="0" y="0"/>
+            <a:ext cx="2971800" cy="458788"/>
+          </a:xfrm>
+          <a:prstGeom prst="rect">
+            <a:avLst/>
+          </a:prstGeom>
+        </p:spPr>
+        <p:txBody>
+          <a:bodyPr vert="horz" lIns="91440" tIns="45720" rIns="91440" bIns="45720" rtlCol="0"/>
+          <a:lstStyle>
+            <a:lvl1pPr algn="l">
+              <a:defRPr sz="1200"/>
+            </a:lvl1pPr>
+          </a:lstStyle>
+          <a:p>
+            <a:endParaRPr lang="en-GB"/>
+          </a:p>
+        </p:txBody>
+      </p:sp>
+      <p:sp>
+        <p:nvSpPr>
+          <p:cNvPr id="3" name="Date Placeholder 2"/>
+          <p:cNvSpPr>
+            <a:spLocks noGrp="1"/>
+          </p:cNvSpPr>
+          <p:nvPr>
+            <p:ph type="dt" idx="1"/>
+          </p:nvPr>
+        </p:nvSpPr>
+        <p:spPr>
+          <a:xfrm>
+            <a:off x="3884613" y="0"/>
+            <a:ext cx="2971800" cy="458788"/>
+          </a:xfrm>
+          <a:prstGeom prst="rect">
+            <a:avLst/>
+          </a:prstGeom>
+        </p:spPr>
+        <p:txBody>
+          <a:bodyPr vert="horz" lIns="91440" tIns="45720" rIns="91440" bIns="45720" rtlCol="0"/>
+          <a:lstStyle>
+            <a:lvl1pPr algn="r">
+              <a:defRPr sz="1200"/>
+            </a:lvl1pPr>
+          </a:lstStyle>
+          <a:p>
+            <a:fld id="{F551BDCB-9C3E-49C8-B1DE-66F99A669ECD}" type="datetimeFigureOut">
+              <a:rPr lang="en-GB" smtClean="0"/>
+              <a:t>13/12/2024</a:t>
+            </a:fld>
+            <a:endParaRPr lang="en-GB"/>
+          </a:p>
+        </p:txBody>
+      </p:sp>
+      <p:sp>
+        <p:nvSpPr>
+          <p:cNvPr id="4" name="Slide Image Placeholder 3"/>
+          <p:cNvSpPr>
+            <a:spLocks noGrp="1" noRot="1" noChangeAspect="1"/>
+          </p:cNvSpPr>
+          <p:nvPr>
+            <p:ph type="sldImg" idx="2"/>
+          </p:nvPr>
+        </p:nvSpPr>
+        <p:spPr>
+          <a:xfrm>
+            <a:off x="685800" y="1143000"/>
+            <a:ext cx="5486400" cy="3086100"/>
+          </a:xfrm>
+          <a:prstGeom prst="rect">
+            <a:avLst/>
+          </a:prstGeom>
+          <a:noFill/>
+          <a:ln w="12700">
+            <a:solidFill>
+              <a:prstClr val="black"/>
+            </a:solidFill>
+          </a:ln>
+        </p:spPr>
+        <p:txBody>
+          <a:bodyPr vert="horz" lIns="91440" tIns="45720" rIns="91440" bIns="45720" rtlCol="0" anchor="ctr"/>
+          <a:lstStyle/>
+          <a:p>
+            <a:endParaRPr lang="en-GB"/>
+          </a:p>
+        </p:txBody>
+      </p:sp>
+      <p:sp>
+        <p:nvSpPr>
+          <p:cNvPr id="5" name="Notes Placeholder 4"/>
+          <p:cNvSpPr>
+            <a:spLocks noGrp="1"/>
+          </p:cNvSpPr>
+          <p:nvPr>
+            <p:ph type="body" sz="quarter" idx="3"/>
+          </p:nvPr>
+        </p:nvSpPr>
+        <p:spPr>
+          <a:xfrm>
+            <a:off x="685800" y="4400550"/>
+            <a:ext cx="5486400" cy="3600450"/>
+          </a:xfrm>
+          <a:prstGeom prst="rect">
+            <a:avLst/>
+          </a:prstGeom>
+        </p:spPr>
+        <p:txBody>
+          <a:bodyPr vert="horz" lIns="91440" tIns="45720" rIns="91440" bIns="45720" rtlCol="0"/>
+          <a:lstStyle/>
+          <a:p>
+            <a:pPr lvl="0"/>
+            <a:r>
+              <a:rPr lang="en-US"/>
+              <a:t>Click to edit Master text styles</a:t>
+            </a:r>
+          </a:p>
+          <a:p>
+            <a:pPr lvl="1"/>
+            <a:r>
+              <a:rPr lang="en-US"/>
+              <a:t>Second level</a:t>
+            </a:r>
+          </a:p>
+          <a:p>
+            <a:pPr lvl="2"/>
+            <a:r>
+              <a:rPr lang="en-US"/>
+              <a:t>Third level</a:t>
+            </a:r>
+          </a:p>
+          <a:p>
+            <a:pPr lvl="3"/>
+            <a:r>
+              <a:rPr lang="en-US"/>
+              <a:t>Fourth level</a:t>
+            </a:r>
+          </a:p>
+          <a:p>
+            <a:pPr lvl="4"/>
+            <a:r>
+              <a:rPr lang="en-US"/>
+              <a:t>Fifth level</a:t>
+            </a:r>
+            <a:endParaRPr lang="en-GB"/>
+          </a:p>
+        </p:txBody>
+      </p:sp>
+      <p:sp>
+        <p:nvSpPr>
+          <p:cNvPr id="6" name="Footer Placeholder 5"/>
+          <p:cNvSpPr>
+            <a:spLocks noGrp="1"/>
+          </p:cNvSpPr>
+          <p:nvPr>
+            <p:ph type="ftr" sz="quarter" idx="4"/>
+          </p:nvPr>
+        </p:nvSpPr>
+        <p:spPr>
+          <a:xfrm>
+            <a:off x="0" y="8685213"/>
+            <a:ext cx="2971800" cy="458787"/>
+          </a:xfrm>
+          <a:prstGeom prst="rect">
+            <a:avLst/>
+          </a:prstGeom>
+        </p:spPr>
+        <p:txBody>
+          <a:bodyPr vert="horz" lIns="91440" tIns="45720" rIns="91440" bIns="45720" rtlCol="0" anchor="b"/>
+          <a:lstStyle>
+            <a:lvl1pPr algn="l">
+              <a:defRPr sz="1200"/>
+            </a:lvl1pPr>
+          </a:lstStyle>
+          <a:p>
+            <a:endParaRPr lang="en-GB"/>
+          </a:p>
+        </p:txBody>
+      </p:sp>
+      <p:sp>
+        <p:nvSpPr>
+          <p:cNvPr id="7" name="Slide Number Placeholder 6"/>
+          <p:cNvSpPr>
+            <a:spLocks noGrp="1"/>
+          </p:cNvSpPr>
+          <p:nvPr>
+            <p:ph type="sldNum" sz="quarter" idx="5"/>
+          </p:nvPr>
+        </p:nvSpPr>
+        <p:spPr>
+          <a:xfrm>
+            <a:off x="3884613" y="8685213"/>
+            <a:ext cx="2971800" cy="458787"/>
+          </a:xfrm>
+          <a:prstGeom prst="rect">
+            <a:avLst/>
+          </a:prstGeom>
+        </p:spPr>
+        <p:txBody>
+          <a:bodyPr vert="horz" lIns="91440" tIns="45720" rIns="91440" bIns="45720" rtlCol="0" anchor="b"/>
+          <a:lstStyle>
+            <a:lvl1pPr algn="r">
+              <a:defRPr sz="1200"/>
+            </a:lvl1pPr>
+          </a:lstStyle>
+          <a:p>
+            <a:fld id="{776A2E0E-51D3-4281-B226-AFEB7A09570A}" type="slidenum">
+              <a:rPr lang="en-GB" smtClean="0"/>
+              <a:t>‹#›</a:t>
+            </a:fld>
+            <a:endParaRPr lang="en-GB"/>
+          </a:p>
+        </p:txBody>
+      </p:sp>
+    </p:spTree>
+    <p:extLst>
+      <p:ext uri="{BB962C8B-B14F-4D97-AF65-F5344CB8AC3E}">
+        <p14:creationId xmlns:p14="http://schemas.microsoft.com/office/powerpoint/2010/main" val="3148995387"/>
+      </p:ext>
+    </p:extLst>
+  </p:cSld>
+  <p:clrMap bg1="lt1" tx1="dk1" bg2="lt2" tx2="dk2" accent1="accent1" accent2="accent2" accent3="accent3" accent4="accent4" accent5="accent5" accent6="accent6" hlink="hlink" folHlink="folHlink"/>
+  <p:notesStyle>
+    <a:lvl1pPr marL="0" algn="l" defTabSz="914400" rtl="0" eaLnBrk="1" latinLnBrk="0" hangingPunct="1">
+      <a:defRPr sz="1200" kern="1200">
+        <a:solidFill>
+          <a:schemeClr val="tx1"/>
+        </a:solidFill>
+        <a:latin typeface="+mn-lt"/>
+        <a:ea typeface="+mn-ea"/>
+        <a:cs typeface="+mn-cs"/>
+      </a:defRPr>
+    </a:lvl1pPr>
+    <a:lvl2pPr marL="457200" algn="l" defTabSz="914400" rtl="0" eaLnBrk="1" latinLnBrk="0" hangingPunct="1">
+      <a:defRPr sz="1200" kern="1200">
+        <a:solidFill>
+          <a:schemeClr val="tx1"/>
+        </a:solidFill>
+        <a:latin typeface="+mn-lt"/>
+        <a:ea typeface="+mn-ea"/>
+        <a:cs typeface="+mn-cs"/>
+      </a:defRPr>
+    </a:lvl2pPr>
+    <a:lvl3pPr marL="914400" algn="l" defTabSz="914400" rtl="0" eaLnBrk="1" latinLnBrk="0" hangingPunct="1">
+      <a:defRPr sz="1200" kern="1200">
+        <a:solidFill>
+          <a:schemeClr val="tx1"/>
+        </a:solidFill>
+        <a:latin typeface="+mn-lt"/>
+        <a:ea typeface="+mn-ea"/>
+        <a:cs typeface="+mn-cs"/>
+      </a:defRPr>
+    </a:lvl3pPr>
+    <a:lvl4pPr marL="1371600" algn="l" defTabSz="914400" rtl="0" eaLnBrk="1" latinLnBrk="0" hangingPunct="1">
+      <a:defRPr sz="1200" kern="1200">
+        <a:solidFill>
+          <a:schemeClr val="tx1"/>
+        </a:solidFill>
+        <a:latin typeface="+mn-lt"/>
+        <a:ea typeface="+mn-ea"/>
+        <a:cs typeface="+mn-cs"/>
+      </a:defRPr>
+    </a:lvl4pPr>
+    <a:lvl5pPr marL="1828800" algn="l" defTabSz="914400" rtl="0" eaLnBrk="1" latinLnBrk="0" hangingPunct="1">
+      <a:defRPr sz="1200" kern="1200">
+        <a:solidFill>
+          <a:schemeClr val="tx1"/>
+        </a:solidFill>
+        <a:latin typeface="+mn-lt"/>
+        <a:ea typeface="+mn-ea"/>
+        <a:cs typeface="+mn-cs"/>
+      </a:defRPr>
+    </a:lvl5pPr>
+    <a:lvl6pPr marL="2286000" algn="l" defTabSz="914400" rtl="0" eaLnBrk="1" latinLnBrk="0" hangingPunct="1">
+      <a:defRPr sz="1200" kern="1200">
+        <a:solidFill>
+          <a:schemeClr val="tx1"/>
+        </a:solidFill>
+        <a:latin typeface="+mn-lt"/>
+        <a:ea typeface="+mn-ea"/>
+        <a:cs typeface="+mn-cs"/>
+      </a:defRPr>
+    </a:lvl6pPr>
+    <a:lvl7pPr marL="2743200" algn="l" defTabSz="914400" rtl="0" eaLnBrk="1" latinLnBrk="0" hangingPunct="1">
+      <a:defRPr sz="1200" kern="1200">
+        <a:solidFill>
+          <a:schemeClr val="tx1"/>
+        </a:solidFill>
+        <a:latin typeface="+mn-lt"/>
+        <a:ea typeface="+mn-ea"/>
+        <a:cs typeface="+mn-cs"/>
+      </a:defRPr>
+    </a:lvl7pPr>
+    <a:lvl8pPr marL="3200400" algn="l" defTabSz="914400" rtl="0" eaLnBrk="1" latinLnBrk="0" hangingPunct="1">
+      <a:defRPr sz="1200" kern="1200">
+        <a:solidFill>
+          <a:schemeClr val="tx1"/>
+        </a:solidFill>
+        <a:latin typeface="+mn-lt"/>
+        <a:ea typeface="+mn-ea"/>
+        <a:cs typeface="+mn-cs"/>
+      </a:defRPr>
+    </a:lvl8pPr>
+    <a:lvl9pPr marL="3657600" algn="l" defTabSz="914400" rtl="0" eaLnBrk="1" latinLnBrk="0" hangingPunct="1">
+      <a:defRPr sz="1200" kern="1200">
+        <a:solidFill>
+          <a:schemeClr val="tx1"/>
+        </a:solidFill>
+        <a:latin typeface="+mn-lt"/>
+        <a:ea typeface="+mn-ea"/>
+        <a:cs typeface="+mn-cs"/>
+      </a:defRPr>
+    </a:lvl9pPr>
+  </p:notesStyle>
+</p:notesMaster>
+</file>
+
+<file path=ppt/notesSlides/notesSlide1.xml><?xml version="1.0" encoding="utf-8"?>
+<p:notes xmlns:a="http://schemas.openxmlformats.org/drawingml/2006/main" xmlns:r="http://schemas.openxmlformats.org/officeDocument/2006/relationships" xmlns:p="http://schemas.openxmlformats.org/presentationml/2006/main">
+  <p:cSld>
+    <p:spTree>
+      <p:nvGrpSpPr>
+        <p:cNvPr id="1" name=""/>
+        <p:cNvGrpSpPr/>
+        <p:nvPr/>
+      </p:nvGrpSpPr>
+      <p:grpSpPr>
+        <a:xfrm>
+          <a:off x="0" y="0"/>
+          <a:ext cx="0" cy="0"/>
+          <a:chOff x="0" y="0"/>
+          <a:chExt cx="0" cy="0"/>
+        </a:xfrm>
+      </p:grpSpPr>
+      <p:sp>
+        <p:nvSpPr>
+          <p:cNvPr id="2" name="Slide Image Placeholder 1"/>
+          <p:cNvSpPr>
+            <a:spLocks noGrp="1" noRot="1" noChangeAspect="1"/>
+          </p:cNvSpPr>
+          <p:nvPr>
+            <p:ph type="sldImg"/>
+          </p:nvPr>
+        </p:nvSpPr>
+        <p:spPr/>
+      </p:sp>
+      <p:sp>
+        <p:nvSpPr>
+          <p:cNvPr id="3" name="Notes Placeholder 2"/>
+          <p:cNvSpPr>
+            <a:spLocks noGrp="1"/>
+          </p:cNvSpPr>
+          <p:nvPr>
+            <p:ph type="body" idx="1"/>
+          </p:nvPr>
+        </p:nvSpPr>
+        <p:spPr/>
+        <p:txBody>
+          <a:bodyPr/>
+          <a:lstStyle/>
+          <a:p>
+            <a:endParaRPr lang="en-GB" dirty="0"/>
+          </a:p>
+        </p:txBody>
+      </p:sp>
+      <p:sp>
+        <p:nvSpPr>
+          <p:cNvPr id="4" name="Slide Number Placeholder 3"/>
+          <p:cNvSpPr>
+            <a:spLocks noGrp="1"/>
+          </p:cNvSpPr>
+          <p:nvPr>
+            <p:ph type="sldNum" sz="quarter" idx="5"/>
+          </p:nvPr>
+        </p:nvSpPr>
+        <p:spPr/>
+        <p:txBody>
+          <a:bodyPr/>
+          <a:lstStyle/>
+          <a:p>
+            <a:fld id="{776A2E0E-51D3-4281-B226-AFEB7A09570A}" type="slidenum">
+              <a:rPr lang="en-GB" smtClean="0"/>
+              <a:t>8</a:t>
+            </a:fld>
+            <a:endParaRPr lang="en-GB"/>
+          </a:p>
+        </p:txBody>
+      </p:sp>
+    </p:spTree>
+    <p:extLst>
+      <p:ext uri="{BB962C8B-B14F-4D97-AF65-F5344CB8AC3E}">
+        <p14:creationId xmlns:p14="http://schemas.microsoft.com/office/powerpoint/2010/main" val="1819619182"/>
+      </p:ext>
+    </p:extLst>
+  </p:cSld>
+  <p:clrMapOvr>
+    <a:masterClrMapping/>
+  </p:clrMapOvr>
+</p:notes>
+</file>
+
 <file path=ppt/slideLayouts/slideLayout1.xml><?xml version="1.0" encoding="utf-8"?>
 <p:sldLayout xmlns:a="http://schemas.openxmlformats.org/drawingml/2006/main" xmlns:r="http://schemas.openxmlformats.org/officeDocument/2006/relationships" xmlns:p="http://schemas.openxmlformats.org/presentationml/2006/main" showMasterSp="0" type="title" preserve="1">
   <p:cSld name="Title Slide">
@@ -526,7 +963,7 @@
           <a:p>
             <a:fld id="{B9D4D9C1-12AC-4C28-92F1-C3C7B8F5D24B}" type="datetimeFigureOut">
               <a:rPr lang="en-GB" smtClean="0"/>
-              <a:t>12/12/2024</a:t>
+              <a:t>13/12/2024</a:t>
             </a:fld>
             <a:endParaRPr lang="en-GB" dirty="0"/>
           </a:p>
@@ -705,7 +1142,7 @@
           <a:p>
             <a:fld id="{B9D4D9C1-12AC-4C28-92F1-C3C7B8F5D24B}" type="datetimeFigureOut">
               <a:rPr lang="en-GB" smtClean="0"/>
-              <a:t>12/12/2024</a:t>
+              <a:t>13/12/2024</a:t>
             </a:fld>
             <a:endParaRPr lang="en-GB" dirty="0"/>
           </a:p>
@@ -885,7 +1322,7 @@
           <a:p>
             <a:fld id="{B9D4D9C1-12AC-4C28-92F1-C3C7B8F5D24B}" type="datetimeFigureOut">
               <a:rPr lang="en-GB" smtClean="0"/>
-              <a:t>12/12/2024</a:t>
+              <a:t>13/12/2024</a:t>
             </a:fld>
             <a:endParaRPr lang="en-GB" dirty="0"/>
           </a:p>
@@ -1055,7 +1492,7 @@
           <a:p>
             <a:fld id="{B9D4D9C1-12AC-4C28-92F1-C3C7B8F5D24B}" type="datetimeFigureOut">
               <a:rPr lang="en-GB" smtClean="0"/>
-              <a:t>12/12/2024</a:t>
+              <a:t>13/12/2024</a:t>
             </a:fld>
             <a:endParaRPr lang="en-GB" dirty="0"/>
           </a:p>
@@ -1368,7 +1805,7 @@
           <a:p>
             <a:fld id="{B9D4D9C1-12AC-4C28-92F1-C3C7B8F5D24B}" type="datetimeFigureOut">
               <a:rPr lang="en-GB" smtClean="0"/>
-              <a:t>12/12/2024</a:t>
+              <a:t>13/12/2024</a:t>
             </a:fld>
             <a:endParaRPr lang="en-GB" dirty="0"/>
           </a:p>
@@ -1754,7 +2191,7 @@
           <a:p>
             <a:fld id="{B9D4D9C1-12AC-4C28-92F1-C3C7B8F5D24B}" type="datetimeFigureOut">
               <a:rPr lang="en-GB" smtClean="0"/>
-              <a:t>12/12/2024</a:t>
+              <a:t>13/12/2024</a:t>
             </a:fld>
             <a:endParaRPr lang="en-GB" dirty="0"/>
           </a:p>
@@ -2188,7 +2625,7 @@
           <a:p>
             <a:fld id="{B9D4D9C1-12AC-4C28-92F1-C3C7B8F5D24B}" type="datetimeFigureOut">
               <a:rPr lang="en-GB" smtClean="0"/>
-              <a:t>12/12/2024</a:t>
+              <a:t>13/12/2024</a:t>
             </a:fld>
             <a:endParaRPr lang="en-GB" dirty="0"/>
           </a:p>
@@ -2306,7 +2743,7 @@
           <a:p>
             <a:fld id="{B9D4D9C1-12AC-4C28-92F1-C3C7B8F5D24B}" type="datetimeFigureOut">
               <a:rPr lang="en-GB" smtClean="0"/>
-              <a:t>12/12/2024</a:t>
+              <a:t>13/12/2024</a:t>
             </a:fld>
             <a:endParaRPr lang="en-GB" dirty="0"/>
           </a:p>
@@ -2401,7 +2838,7 @@
           <a:p>
             <a:fld id="{B9D4D9C1-12AC-4C28-92F1-C3C7B8F5D24B}" type="datetimeFigureOut">
               <a:rPr lang="en-GB" smtClean="0"/>
-              <a:t>12/12/2024</a:t>
+              <a:t>13/12/2024</a:t>
             </a:fld>
             <a:endParaRPr lang="en-GB" dirty="0"/>
           </a:p>
@@ -2751,7 +3188,7 @@
           <a:p>
             <a:fld id="{B9D4D9C1-12AC-4C28-92F1-C3C7B8F5D24B}" type="datetimeFigureOut">
               <a:rPr lang="en-GB" smtClean="0"/>
-              <a:t>12/12/2024</a:t>
+              <a:t>13/12/2024</a:t>
             </a:fld>
             <a:endParaRPr lang="en-GB" dirty="0"/>
           </a:p>
@@ -3176,7 +3613,7 @@
           <a:p>
             <a:fld id="{B9D4D9C1-12AC-4C28-92F1-C3C7B8F5D24B}" type="datetimeFigureOut">
               <a:rPr lang="en-GB" smtClean="0"/>
-              <a:t>12/12/2024</a:t>
+              <a:t>13/12/2024</a:t>
             </a:fld>
             <a:endParaRPr lang="en-GB" dirty="0"/>
           </a:p>
@@ -3457,7 +3894,7 @@
           <a:p>
             <a:fld id="{B9D4D9C1-12AC-4C28-92F1-C3C7B8F5D24B}" type="datetimeFigureOut">
               <a:rPr lang="en-GB" smtClean="0"/>
-              <a:t>12/12/2024</a:t>
+              <a:t>13/12/2024</a:t>
             </a:fld>
             <a:endParaRPr lang="en-GB" dirty="0"/>
           </a:p>
@@ -4707,8 +5144,16 @@
               <a:t>, porém há alguns casos onde a recursão pode tornar o código mais simples e claro, por exemplo em </a:t>
             </a:r>
             <a:r>
+              <a:rPr lang="pt-PT" b="1" i="1" dirty="0"/>
+              <a:t>Estruturas</a:t>
+            </a:r>
+            <a:r>
               <a:rPr lang="pt-PT" i="1" dirty="0"/>
-              <a:t>Estruturas Hierárquicas</a:t>
+              <a:t> </a:t>
+            </a:r>
+            <a:r>
+              <a:rPr lang="pt-PT" b="1" i="1" dirty="0"/>
+              <a:t>Hierárquicas</a:t>
             </a:r>
             <a:r>
               <a:rPr lang="pt-PT" dirty="0"/>
@@ -5952,7 +6397,7 @@
                 </a:solidFill>
                 <a:effectLst/>
               </a:rPr>
-              <a:t> Uma função também pode ser organizada de forma diferente, podem omitir os parenteses </a:t>
+              <a:t> A função também pode ser organizada de forma diferente, podendo omitir os parenteses </a:t>
             </a:r>
             <a:r>
               <a:rPr lang="pt-PT" b="1" dirty="0">
@@ -6009,7 +6454,7 @@
           <p:nvPr/>
         </p:nvPicPr>
         <p:blipFill>
-          <a:blip r:embed="rId2"/>
+          <a:blip r:embed="rId3"/>
           <a:stretch>
             <a:fillRect/>
           </a:stretch>
@@ -6039,7 +6484,7 @@
           <p:nvPr/>
         </p:nvPicPr>
         <p:blipFill>
-          <a:blip r:embed="rId3"/>
+          <a:blip r:embed="rId4"/>
           <a:stretch>
             <a:fillRect/>
           </a:stretch>
@@ -6518,4 +6963,319 @@
     </a:ext>
   </a:extLst>
 </a:theme>
+</file>
+
+<file path=ppt/theme/theme2.xml><?xml version="1.0" encoding="utf-8"?>
+<a:theme xmlns:a="http://schemas.openxmlformats.org/drawingml/2006/main" name="Office Theme">
+  <a:themeElements>
+    <a:clrScheme name="Office">
+      <a:dk1>
+        <a:sysClr val="windowText" lastClr="000000"/>
+      </a:dk1>
+      <a:lt1>
+        <a:sysClr val="window" lastClr="FFFFFF"/>
+      </a:lt1>
+      <a:dk2>
+        <a:srgbClr val="0E2841"/>
+      </a:dk2>
+      <a:lt2>
+        <a:srgbClr val="E8E8E8"/>
+      </a:lt2>
+      <a:accent1>
+        <a:srgbClr val="156082"/>
+      </a:accent1>
+      <a:accent2>
+        <a:srgbClr val="E97132"/>
+      </a:accent2>
+      <a:accent3>
+        <a:srgbClr val="196B24"/>
+      </a:accent3>
+      <a:accent4>
+        <a:srgbClr val="0F9ED5"/>
+      </a:accent4>
+      <a:accent5>
+        <a:srgbClr val="A02B93"/>
+      </a:accent5>
+      <a:accent6>
+        <a:srgbClr val="4EA72E"/>
+      </a:accent6>
+      <a:hlink>
+        <a:srgbClr val="467886"/>
+      </a:hlink>
+      <a:folHlink>
+        <a:srgbClr val="96607D"/>
+      </a:folHlink>
+    </a:clrScheme>
+    <a:fontScheme name="Office">
+      <a:majorFont>
+        <a:latin typeface="Aptos Display" panose="02110004020202020204"/>
+        <a:ea typeface=""/>
+        <a:cs typeface=""/>
+        <a:font script="Jpan" typeface="游ゴシック Light"/>
+        <a:font script="Hang" typeface="맑은 고딕"/>
+        <a:font script="Hans" typeface="等线 Light"/>
+        <a:font script="Hant" typeface="新細明體"/>
+        <a:font script="Arab" typeface="Times New Roman"/>
+        <a:font script="Hebr" typeface="Times New Roman"/>
+        <a:font script="Thai" typeface="Angsana New"/>
+        <a:font script="Ethi" typeface="Nyala"/>
+        <a:font script="Beng" typeface="Vrinda"/>
+        <a:font script="Gujr" typeface="Shruti"/>
+        <a:font script="Khmr" typeface="MoolBoran"/>
+        <a:font script="Knda" typeface="Tunga"/>
+        <a:font script="Guru" typeface="Raavi"/>
+        <a:font script="Cans" typeface="Euphemia"/>
+        <a:font script="Cher" typeface="Plantagenet Cherokee"/>
+        <a:font script="Yiii" typeface="Microsoft Yi Baiti"/>
+        <a:font script="Tibt" typeface="Microsoft Himalaya"/>
+        <a:font script="Thaa" typeface="MV Boli"/>
+        <a:font script="Deva" typeface="Mangal"/>
+        <a:font script="Telu" typeface="Gautami"/>
+        <a:font script="Taml" typeface="Latha"/>
+        <a:font script="Syrc" typeface="Estrangelo Edessa"/>
+        <a:font script="Orya" typeface="Kalinga"/>
+        <a:font script="Mlym" typeface="Kartika"/>
+        <a:font script="Laoo" typeface="DokChampa"/>
+        <a:font script="Sinh" typeface="Iskoola Pota"/>
+        <a:font script="Mong" typeface="Mongolian Baiti"/>
+        <a:font script="Viet" typeface="Times New Roman"/>
+        <a:font script="Uigh" typeface="Microsoft Uighur"/>
+        <a:font script="Geor" typeface="Sylfaen"/>
+        <a:font script="Armn" typeface="Arial"/>
+        <a:font script="Bugi" typeface="Leelawadee UI"/>
+        <a:font script="Bopo" typeface="Microsoft JhengHei"/>
+        <a:font script="Java" typeface="Javanese Text"/>
+        <a:font script="Lisu" typeface="Segoe UI"/>
+        <a:font script="Mymr" typeface="Myanmar Text"/>
+        <a:font script="Nkoo" typeface="Ebrima"/>
+        <a:font script="Olck" typeface="Nirmala UI"/>
+        <a:font script="Osma" typeface="Ebrima"/>
+        <a:font script="Phag" typeface="Phagspa"/>
+        <a:font script="Syrn" typeface="Estrangelo Edessa"/>
+        <a:font script="Syrj" typeface="Estrangelo Edessa"/>
+        <a:font script="Syre" typeface="Estrangelo Edessa"/>
+        <a:font script="Sora" typeface="Nirmala UI"/>
+        <a:font script="Tale" typeface="Microsoft Tai Le"/>
+        <a:font script="Talu" typeface="Microsoft New Tai Lue"/>
+        <a:font script="Tfng" typeface="Ebrima"/>
+      </a:majorFont>
+      <a:minorFont>
+        <a:latin typeface="Aptos" panose="02110004020202020204"/>
+        <a:ea typeface=""/>
+        <a:cs typeface=""/>
+        <a:font script="Jpan" typeface="游ゴシック"/>
+        <a:font script="Hang" typeface="맑은 고딕"/>
+        <a:font script="Hans" typeface="等线"/>
+        <a:font script="Hant" typeface="新細明體"/>
+        <a:font script="Arab" typeface="Arial"/>
+        <a:font script="Hebr" typeface="Arial"/>
+        <a:font script="Thai" typeface="Cordia New"/>
+        <a:font script="Ethi" typeface="Nyala"/>
+        <a:font script="Beng" typeface="Vrinda"/>
+        <a:font script="Gujr" typeface="Shruti"/>
+        <a:font script="Khmr" typeface="DaunPenh"/>
+        <a:font script="Knda" typeface="Tunga"/>
+        <a:font script="Guru" typeface="Raavi"/>
+        <a:font script="Cans" typeface="Euphemia"/>
+        <a:font script="Cher" typeface="Plantagenet Cherokee"/>
+        <a:font script="Yiii" typeface="Microsoft Yi Baiti"/>
+        <a:font script="Tibt" typeface="Microsoft Himalaya"/>
+        <a:font script="Thaa" typeface="MV Boli"/>
+        <a:font script="Deva" typeface="Mangal"/>
+        <a:font script="Telu" typeface="Gautami"/>
+        <a:font script="Taml" typeface="Latha"/>
+        <a:font script="Syrc" typeface="Estrangelo Edessa"/>
+        <a:font script="Orya" typeface="Kalinga"/>
+        <a:font script="Mlym" typeface="Kartika"/>
+        <a:font script="Laoo" typeface="DokChampa"/>
+        <a:font script="Sinh" typeface="Iskoola Pota"/>
+        <a:font script="Mong" typeface="Mongolian Baiti"/>
+        <a:font script="Viet" typeface="Arial"/>
+        <a:font script="Uigh" typeface="Microsoft Uighur"/>
+        <a:font script="Geor" typeface="Sylfaen"/>
+        <a:font script="Armn" typeface="Arial"/>
+        <a:font script="Bugi" typeface="Leelawadee UI"/>
+        <a:font script="Bopo" typeface="Microsoft JhengHei"/>
+        <a:font script="Java" typeface="Javanese Text"/>
+        <a:font script="Lisu" typeface="Segoe UI"/>
+        <a:font script="Mymr" typeface="Myanmar Text"/>
+        <a:font script="Nkoo" typeface="Ebrima"/>
+        <a:font script="Olck" typeface="Nirmala UI"/>
+        <a:font script="Osma" typeface="Ebrima"/>
+        <a:font script="Phag" typeface="Phagspa"/>
+        <a:font script="Syrn" typeface="Estrangelo Edessa"/>
+        <a:font script="Syrj" typeface="Estrangelo Edessa"/>
+        <a:font script="Syre" typeface="Estrangelo Edessa"/>
+        <a:font script="Sora" typeface="Nirmala UI"/>
+        <a:font script="Tale" typeface="Microsoft Tai Le"/>
+        <a:font script="Talu" typeface="Microsoft New Tai Lue"/>
+        <a:font script="Tfng" typeface="Ebrima"/>
+      </a:minorFont>
+    </a:fontScheme>
+    <a:fmtScheme name="Office">
+      <a:fillStyleLst>
+        <a:solidFill>
+          <a:schemeClr val="phClr"/>
+        </a:solidFill>
+        <a:gradFill rotWithShape="1">
+          <a:gsLst>
+            <a:gs pos="0">
+              <a:schemeClr val="phClr">
+                <a:lumMod val="110000"/>
+                <a:satMod val="105000"/>
+                <a:tint val="67000"/>
+              </a:schemeClr>
+            </a:gs>
+            <a:gs pos="50000">
+              <a:schemeClr val="phClr">
+                <a:lumMod val="105000"/>
+                <a:satMod val="103000"/>
+                <a:tint val="73000"/>
+              </a:schemeClr>
+            </a:gs>
+            <a:gs pos="100000">
+              <a:schemeClr val="phClr">
+                <a:lumMod val="105000"/>
+                <a:satMod val="109000"/>
+                <a:tint val="81000"/>
+              </a:schemeClr>
+            </a:gs>
+          </a:gsLst>
+          <a:lin ang="5400000" scaled="0"/>
+        </a:gradFill>
+        <a:gradFill rotWithShape="1">
+          <a:gsLst>
+            <a:gs pos="0">
+              <a:schemeClr val="phClr">
+                <a:satMod val="103000"/>
+                <a:lumMod val="102000"/>
+                <a:tint val="94000"/>
+              </a:schemeClr>
+            </a:gs>
+            <a:gs pos="50000">
+              <a:schemeClr val="phClr">
+                <a:satMod val="110000"/>
+                <a:lumMod val="100000"/>
+                <a:shade val="100000"/>
+              </a:schemeClr>
+            </a:gs>
+            <a:gs pos="100000">
+              <a:schemeClr val="phClr">
+                <a:lumMod val="99000"/>
+                <a:satMod val="120000"/>
+                <a:shade val="78000"/>
+              </a:schemeClr>
+            </a:gs>
+          </a:gsLst>
+          <a:lin ang="5400000" scaled="0"/>
+        </a:gradFill>
+      </a:fillStyleLst>
+      <a:lnStyleLst>
+        <a:ln w="12700" cap="flat" cmpd="sng" algn="ctr">
+          <a:solidFill>
+            <a:schemeClr val="phClr"/>
+          </a:solidFill>
+          <a:prstDash val="solid"/>
+          <a:miter lim="800000"/>
+        </a:ln>
+        <a:ln w="19050" cap="flat" cmpd="sng" algn="ctr">
+          <a:solidFill>
+            <a:schemeClr val="phClr"/>
+          </a:solidFill>
+          <a:prstDash val="solid"/>
+          <a:miter lim="800000"/>
+        </a:ln>
+        <a:ln w="25400" cap="flat" cmpd="sng" algn="ctr">
+          <a:solidFill>
+            <a:schemeClr val="phClr"/>
+          </a:solidFill>
+          <a:prstDash val="solid"/>
+          <a:miter lim="800000"/>
+        </a:ln>
+      </a:lnStyleLst>
+      <a:effectStyleLst>
+        <a:effectStyle>
+          <a:effectLst/>
+        </a:effectStyle>
+        <a:effectStyle>
+          <a:effectLst/>
+        </a:effectStyle>
+        <a:effectStyle>
+          <a:effectLst>
+            <a:outerShdw blurRad="57150" dist="19050" dir="5400000" algn="ctr" rotWithShape="0">
+              <a:srgbClr val="000000">
+                <a:alpha val="63000"/>
+              </a:srgbClr>
+            </a:outerShdw>
+          </a:effectLst>
+        </a:effectStyle>
+      </a:effectStyleLst>
+      <a:bgFillStyleLst>
+        <a:solidFill>
+          <a:schemeClr val="phClr"/>
+        </a:solidFill>
+        <a:solidFill>
+          <a:schemeClr val="phClr">
+            <a:tint val="95000"/>
+            <a:satMod val="170000"/>
+          </a:schemeClr>
+        </a:solidFill>
+        <a:gradFill rotWithShape="1">
+          <a:gsLst>
+            <a:gs pos="0">
+              <a:schemeClr val="phClr">
+                <a:tint val="93000"/>
+                <a:satMod val="150000"/>
+                <a:shade val="98000"/>
+                <a:lumMod val="102000"/>
+              </a:schemeClr>
+            </a:gs>
+            <a:gs pos="50000">
+              <a:schemeClr val="phClr">
+                <a:tint val="98000"/>
+                <a:satMod val="130000"/>
+                <a:shade val="90000"/>
+                <a:lumMod val="103000"/>
+              </a:schemeClr>
+            </a:gs>
+            <a:gs pos="100000">
+              <a:schemeClr val="phClr">
+                <a:shade val="63000"/>
+                <a:satMod val="120000"/>
+              </a:schemeClr>
+            </a:gs>
+          </a:gsLst>
+          <a:lin ang="5400000" scaled="0"/>
+        </a:gradFill>
+      </a:bgFillStyleLst>
+    </a:fmtScheme>
+  </a:themeElements>
+  <a:objectDefaults>
+    <a:lnDef>
+      <a:spPr/>
+      <a:bodyPr/>
+      <a:lstStyle/>
+      <a:style>
+        <a:lnRef idx="2">
+          <a:schemeClr val="accent1"/>
+        </a:lnRef>
+        <a:fillRef idx="0">
+          <a:schemeClr val="accent1"/>
+        </a:fillRef>
+        <a:effectRef idx="1">
+          <a:schemeClr val="accent1"/>
+        </a:effectRef>
+        <a:fontRef idx="minor">
+          <a:schemeClr val="tx1"/>
+        </a:fontRef>
+      </a:style>
+    </a:lnDef>
+  </a:objectDefaults>
+  <a:extraClrSchemeLst/>
+  <a:extLst>
+    <a:ext uri="{05A4C25C-085E-4340-85A3-A5531E510DB2}">
+      <thm15:themeFamily xmlns:thm15="http://schemas.microsoft.com/office/thememl/2012/main" name="Office Theme" id="{2E142A2C-CD16-42D6-873A-C26D2A0506FA}" vid="{1BDDFF52-6CD6-40A5-AB3C-68EB2F1E4D0A}"/>
+    </a:ext>
+  </a:extLst>
+</a:theme>
 </file>